--- a/禱告.pptx
+++ b/禱告.pptx
@@ -2,15 +2,15 @@
 <file path=ppt/presentation.xml><?xml version="1.0" encoding="utf-8"?>
 <p:presentation xmlns:a="http://schemas.openxmlformats.org/drawingml/2006/main" xmlns:r="http://schemas.openxmlformats.org/officeDocument/2006/relationships" xmlns:p="http://schemas.openxmlformats.org/presentationml/2006/main" saveSubsetFonts="1">
   <p:sldMasterIdLst>
-    <p:sldMasterId id="2147483660" r:id="rId1"/>
+    <p:sldMasterId id="2147483672" r:id="rId1"/>
   </p:sldMasterIdLst>
   <p:sldIdLst>
     <p:sldId id="257" r:id="rId2"/>
-    <p:sldId id="258" r:id="rId3"/>
-    <p:sldId id="259" r:id="rId4"/>
-    <p:sldId id="260" r:id="rId5"/>
+    <p:sldId id="261" r:id="rId3"/>
+    <p:sldId id="262" r:id="rId4"/>
+    <p:sldId id="263" r:id="rId5"/>
   </p:sldIdLst>
-  <p:sldSz cx="9144000" cy="6858000" type="screen4x3"/>
+  <p:sldSz cx="12192000" cy="6858000"/>
   <p:notesSz cx="6858000" cy="9144000"/>
   <p:defaultTextStyle>
     <a:defPPr>
@@ -107,12 +107,17 @@
       </a:defRPr>
     </a:lvl9pPr>
   </p:defaultTextStyle>
+  <p:extLst>
+    <p:ext uri="{EFAFB233-063F-42B5-8137-9DF3F51BA10A}">
+      <p15:sldGuideLst xmlns:p15="http://schemas.microsoft.com/office/powerpoint/2012/main"/>
+    </p:ext>
+  </p:extLst>
 </p:presentation>
 </file>
 
 <file path=ppt/slideLayouts/slideLayout1.xml><?xml version="1.0" encoding="utf-8"?>
 <p:sldLayout xmlns:a="http://schemas.openxmlformats.org/drawingml/2006/main" xmlns:r="http://schemas.openxmlformats.org/officeDocument/2006/relationships" xmlns:p="http://schemas.openxmlformats.org/presentationml/2006/main" type="title" preserve="1">
-  <p:cSld name="Title Slide">
+  <p:cSld name="標題投影片">
     <p:spTree>
       <p:nvGrpSpPr>
         <p:cNvPr id="1" name=""/>
@@ -129,7 +134,7 @@
       </p:grpSpPr>
       <p:sp>
         <p:nvSpPr>
-          <p:cNvPr id="2" name="Title 1"/>
+          <p:cNvPr id="2" name="標題 1"/>
           <p:cNvSpPr>
             <a:spLocks noGrp="1"/>
           </p:cNvSpPr>
@@ -139,29 +144,25 @@
         </p:nvSpPr>
         <p:spPr>
           <a:xfrm>
-            <a:off x="685800" y="1122363"/>
-            <a:ext cx="7772400" cy="2387600"/>
+            <a:off x="914400" y="2130428"/>
+            <a:ext cx="10363200" cy="1470025"/>
           </a:xfrm>
         </p:spPr>
         <p:txBody>
-          <a:bodyPr anchor="b"/>
-          <a:lstStyle>
-            <a:lvl1pPr algn="ctr">
-              <a:defRPr sz="6000"/>
-            </a:lvl1pPr>
-          </a:lstStyle>
-          <a:p>
-            <a:r>
-              <a:rPr lang="en-US"/>
+          <a:bodyPr/>
+          <a:lstStyle/>
+          <a:p>
+            <a:r>
+              <a:rPr lang="en-US" altLang="zh-TW" smtClean="0"/>
               <a:t>Click to edit Master title style</a:t>
             </a:r>
-            <a:endParaRPr lang="en-US" dirty="0"/>
-          </a:p>
-        </p:txBody>
-      </p:sp>
-      <p:sp>
-        <p:nvSpPr>
-          <p:cNvPr id="3" name="Subtitle 2"/>
+            <a:endParaRPr lang="zh-TW" altLang="en-US"/>
+          </a:p>
+        </p:txBody>
+      </p:sp>
+      <p:sp>
+        <p:nvSpPr>
+          <p:cNvPr id="3" name="副標題 2"/>
           <p:cNvSpPr>
             <a:spLocks noGrp="1"/>
           </p:cNvSpPr>
@@ -171,8 +172,8 @@
         </p:nvSpPr>
         <p:spPr>
           <a:xfrm>
-            <a:off x="1143000" y="3602038"/>
-            <a:ext cx="6858000" cy="1655762"/>
+            <a:off x="1828800" y="3886200"/>
+            <a:ext cx="8534400" cy="1752600"/>
           </a:xfrm>
         </p:spPr>
         <p:txBody>
@@ -180,53 +181,107 @@
           <a:lstStyle>
             <a:lvl1pPr marL="0" indent="0" algn="ctr">
               <a:buNone/>
-              <a:defRPr sz="2400"/>
+              <a:defRPr>
+                <a:solidFill>
+                  <a:schemeClr val="tx1">
+                    <a:tint val="75000"/>
+                  </a:schemeClr>
+                </a:solidFill>
+              </a:defRPr>
             </a:lvl1pPr>
-            <a:lvl2pPr marL="457200" indent="0" algn="ctr">
-              <a:buNone/>
-              <a:defRPr sz="2000"/>
+            <a:lvl2pPr marL="342900" indent="0" algn="ctr">
+              <a:buNone/>
+              <a:defRPr>
+                <a:solidFill>
+                  <a:schemeClr val="tx1">
+                    <a:tint val="75000"/>
+                  </a:schemeClr>
+                </a:solidFill>
+              </a:defRPr>
             </a:lvl2pPr>
-            <a:lvl3pPr marL="914400" indent="0" algn="ctr">
-              <a:buNone/>
-              <a:defRPr sz="1800"/>
+            <a:lvl3pPr marL="685800" indent="0" algn="ctr">
+              <a:buNone/>
+              <a:defRPr>
+                <a:solidFill>
+                  <a:schemeClr val="tx1">
+                    <a:tint val="75000"/>
+                  </a:schemeClr>
+                </a:solidFill>
+              </a:defRPr>
             </a:lvl3pPr>
-            <a:lvl4pPr marL="1371600" indent="0" algn="ctr">
-              <a:buNone/>
-              <a:defRPr sz="1600"/>
+            <a:lvl4pPr marL="1028700" indent="0" algn="ctr">
+              <a:buNone/>
+              <a:defRPr>
+                <a:solidFill>
+                  <a:schemeClr val="tx1">
+                    <a:tint val="75000"/>
+                  </a:schemeClr>
+                </a:solidFill>
+              </a:defRPr>
             </a:lvl4pPr>
-            <a:lvl5pPr marL="1828800" indent="0" algn="ctr">
-              <a:buNone/>
-              <a:defRPr sz="1600"/>
+            <a:lvl5pPr marL="1371600" indent="0" algn="ctr">
+              <a:buNone/>
+              <a:defRPr>
+                <a:solidFill>
+                  <a:schemeClr val="tx1">
+                    <a:tint val="75000"/>
+                  </a:schemeClr>
+                </a:solidFill>
+              </a:defRPr>
             </a:lvl5pPr>
-            <a:lvl6pPr marL="2286000" indent="0" algn="ctr">
-              <a:buNone/>
-              <a:defRPr sz="1600"/>
+            <a:lvl6pPr marL="1714500" indent="0" algn="ctr">
+              <a:buNone/>
+              <a:defRPr>
+                <a:solidFill>
+                  <a:schemeClr val="tx1">
+                    <a:tint val="75000"/>
+                  </a:schemeClr>
+                </a:solidFill>
+              </a:defRPr>
             </a:lvl6pPr>
-            <a:lvl7pPr marL="2743200" indent="0" algn="ctr">
-              <a:buNone/>
-              <a:defRPr sz="1600"/>
+            <a:lvl7pPr marL="2057400" indent="0" algn="ctr">
+              <a:buNone/>
+              <a:defRPr>
+                <a:solidFill>
+                  <a:schemeClr val="tx1">
+                    <a:tint val="75000"/>
+                  </a:schemeClr>
+                </a:solidFill>
+              </a:defRPr>
             </a:lvl7pPr>
-            <a:lvl8pPr marL="3200400" indent="0" algn="ctr">
-              <a:buNone/>
-              <a:defRPr sz="1600"/>
+            <a:lvl8pPr marL="2400300" indent="0" algn="ctr">
+              <a:buNone/>
+              <a:defRPr>
+                <a:solidFill>
+                  <a:schemeClr val="tx1">
+                    <a:tint val="75000"/>
+                  </a:schemeClr>
+                </a:solidFill>
+              </a:defRPr>
             </a:lvl8pPr>
-            <a:lvl9pPr marL="3657600" indent="0" algn="ctr">
-              <a:buNone/>
-              <a:defRPr sz="1600"/>
+            <a:lvl9pPr marL="2743200" indent="0" algn="ctr">
+              <a:buNone/>
+              <a:defRPr>
+                <a:solidFill>
+                  <a:schemeClr val="tx1">
+                    <a:tint val="75000"/>
+                  </a:schemeClr>
+                </a:solidFill>
+              </a:defRPr>
             </a:lvl9pPr>
           </a:lstStyle>
           <a:p>
             <a:r>
-              <a:rPr lang="en-US"/>
+              <a:rPr lang="en-US" altLang="zh-TW" smtClean="0"/>
               <a:t>Click to edit Master subtitle style</a:t>
             </a:r>
-            <a:endParaRPr lang="en-US" dirty="0"/>
-          </a:p>
-        </p:txBody>
-      </p:sp>
-      <p:sp>
-        <p:nvSpPr>
-          <p:cNvPr id="4" name="Date Placeholder 3"/>
+            <a:endParaRPr lang="zh-TW" altLang="en-US"/>
+          </a:p>
+        </p:txBody>
+      </p:sp>
+      <p:sp>
+        <p:nvSpPr>
+          <p:cNvPr id="4" name="日期版面配置區 3"/>
           <p:cNvSpPr>
             <a:spLocks noGrp="1"/>
           </p:cNvSpPr>
@@ -241,7 +296,7 @@
           <a:p>
             <a:fld id="{07887725-4040-4F7B-B71D-C5A122E4BBB1}" type="datetimeFigureOut">
               <a:rPr lang="en-US" smtClean="0"/>
-              <a:t>10/30/2017</a:t>
+              <a:t>7/29/2020</a:t>
             </a:fld>
             <a:endParaRPr lang="en-US"/>
           </a:p>
@@ -249,7 +304,7 @@
       </p:sp>
       <p:sp>
         <p:nvSpPr>
-          <p:cNvPr id="5" name="Footer Placeholder 4"/>
+          <p:cNvPr id="5" name="頁尾版面配置區 4"/>
           <p:cNvSpPr>
             <a:spLocks noGrp="1"/>
           </p:cNvSpPr>
@@ -268,7 +323,7 @@
       </p:sp>
       <p:sp>
         <p:nvSpPr>
-          <p:cNvPr id="6" name="Slide Number Placeholder 5"/>
+          <p:cNvPr id="6" name="投影片編號版面配置區 5"/>
           <p:cNvSpPr>
             <a:spLocks noGrp="1"/>
           </p:cNvSpPr>
@@ -292,7 +347,7 @@
     </p:spTree>
     <p:extLst>
       <p:ext uri="{BB962C8B-B14F-4D97-AF65-F5344CB8AC3E}">
-        <p14:creationId xmlns:p14="http://schemas.microsoft.com/office/powerpoint/2010/main" val="941181326"/>
+        <p14:creationId xmlns:p14="http://schemas.microsoft.com/office/powerpoint/2010/main" val="2065627216"/>
       </p:ext>
     </p:extLst>
   </p:cSld>
@@ -304,7 +359,7 @@
 
 <file path=ppt/slideLayouts/slideLayout10.xml><?xml version="1.0" encoding="utf-8"?>
 <p:sldLayout xmlns:a="http://schemas.openxmlformats.org/drawingml/2006/main" xmlns:r="http://schemas.openxmlformats.org/officeDocument/2006/relationships" xmlns:p="http://schemas.openxmlformats.org/presentationml/2006/main" type="vertTx" preserve="1">
-  <p:cSld name="Title and Vertical Text">
+  <p:cSld name="標題及直排文字">
     <p:spTree>
       <p:nvGrpSpPr>
         <p:cNvPr id="1" name=""/>
@@ -321,7 +376,7 @@
       </p:grpSpPr>
       <p:sp>
         <p:nvSpPr>
-          <p:cNvPr id="2" name="Title 1"/>
+          <p:cNvPr id="2" name="標題 1"/>
           <p:cNvSpPr>
             <a:spLocks noGrp="1"/>
           </p:cNvSpPr>
@@ -335,16 +390,16 @@
           <a:lstStyle/>
           <a:p>
             <a:r>
-              <a:rPr lang="en-US"/>
+              <a:rPr lang="en-US" altLang="zh-TW" smtClean="0"/>
               <a:t>Click to edit Master title style</a:t>
             </a:r>
-            <a:endParaRPr lang="en-US" dirty="0"/>
-          </a:p>
-        </p:txBody>
-      </p:sp>
-      <p:sp>
-        <p:nvSpPr>
-          <p:cNvPr id="3" name="Vertical Text Placeholder 2"/>
+            <a:endParaRPr lang="zh-TW" altLang="en-US"/>
+          </a:p>
+        </p:txBody>
+      </p:sp>
+      <p:sp>
+        <p:nvSpPr>
+          <p:cNvPr id="3" name="直排文字版面配置區 2"/>
           <p:cNvSpPr>
             <a:spLocks noGrp="1"/>
           </p:cNvSpPr>
@@ -359,44 +414,44 @@
           <a:p>
             <a:pPr lvl="0"/>
             <a:r>
-              <a:rPr lang="en-US"/>
+              <a:rPr lang="en-US" altLang="zh-TW" smtClean="0"/>
               <a:t>Edit Master text styles</a:t>
             </a:r>
           </a:p>
           <a:p>
             <a:pPr lvl="1"/>
             <a:r>
-              <a:rPr lang="en-US"/>
+              <a:rPr lang="en-US" altLang="zh-TW" smtClean="0"/>
               <a:t>Second level</a:t>
             </a:r>
           </a:p>
           <a:p>
             <a:pPr lvl="2"/>
             <a:r>
-              <a:rPr lang="en-US"/>
+              <a:rPr lang="en-US" altLang="zh-TW" smtClean="0"/>
               <a:t>Third level</a:t>
             </a:r>
           </a:p>
           <a:p>
             <a:pPr lvl="3"/>
             <a:r>
-              <a:rPr lang="en-US"/>
+              <a:rPr lang="en-US" altLang="zh-TW" smtClean="0"/>
               <a:t>Fourth level</a:t>
             </a:r>
           </a:p>
           <a:p>
             <a:pPr lvl="4"/>
             <a:r>
-              <a:rPr lang="en-US"/>
+              <a:rPr lang="en-US" altLang="zh-TW" smtClean="0"/>
               <a:t>Fifth level</a:t>
             </a:r>
-            <a:endParaRPr lang="en-US" dirty="0"/>
-          </a:p>
-        </p:txBody>
-      </p:sp>
-      <p:sp>
-        <p:nvSpPr>
-          <p:cNvPr id="4" name="Date Placeholder 3"/>
+            <a:endParaRPr lang="zh-TW" altLang="en-US"/>
+          </a:p>
+        </p:txBody>
+      </p:sp>
+      <p:sp>
+        <p:nvSpPr>
+          <p:cNvPr id="4" name="日期版面配置區 3"/>
           <p:cNvSpPr>
             <a:spLocks noGrp="1"/>
           </p:cNvSpPr>
@@ -411,7 +466,7 @@
           <a:p>
             <a:fld id="{07887725-4040-4F7B-B71D-C5A122E4BBB1}" type="datetimeFigureOut">
               <a:rPr lang="en-US" smtClean="0"/>
-              <a:t>10/30/2017</a:t>
+              <a:t>7/29/2020</a:t>
             </a:fld>
             <a:endParaRPr lang="en-US"/>
           </a:p>
@@ -419,7 +474,7 @@
       </p:sp>
       <p:sp>
         <p:nvSpPr>
-          <p:cNvPr id="5" name="Footer Placeholder 4"/>
+          <p:cNvPr id="5" name="頁尾版面配置區 4"/>
           <p:cNvSpPr>
             <a:spLocks noGrp="1"/>
           </p:cNvSpPr>
@@ -438,7 +493,7 @@
       </p:sp>
       <p:sp>
         <p:nvSpPr>
-          <p:cNvPr id="6" name="Slide Number Placeholder 5"/>
+          <p:cNvPr id="6" name="投影片編號版面配置區 5"/>
           <p:cNvSpPr>
             <a:spLocks noGrp="1"/>
           </p:cNvSpPr>
@@ -462,7 +517,7 @@
     </p:spTree>
     <p:extLst>
       <p:ext uri="{BB962C8B-B14F-4D97-AF65-F5344CB8AC3E}">
-        <p14:creationId xmlns:p14="http://schemas.microsoft.com/office/powerpoint/2010/main" val="1262185798"/>
+        <p14:creationId xmlns:p14="http://schemas.microsoft.com/office/powerpoint/2010/main" val="3469264644"/>
       </p:ext>
     </p:extLst>
   </p:cSld>
@@ -474,7 +529,7 @@
 
 <file path=ppt/slideLayouts/slideLayout11.xml><?xml version="1.0" encoding="utf-8"?>
 <p:sldLayout xmlns:a="http://schemas.openxmlformats.org/drawingml/2006/main" xmlns:r="http://schemas.openxmlformats.org/officeDocument/2006/relationships" xmlns:p="http://schemas.openxmlformats.org/presentationml/2006/main" type="vertTitleAndTx" preserve="1">
-  <p:cSld name="Vertical Title and Text">
+  <p:cSld name="直排標題及文字">
     <p:spTree>
       <p:nvGrpSpPr>
         <p:cNvPr id="1" name=""/>
@@ -491,7 +546,7 @@
       </p:grpSpPr>
       <p:sp>
         <p:nvSpPr>
-          <p:cNvPr id="2" name="Vertical Title 1"/>
+          <p:cNvPr id="2" name="直排標題 1"/>
           <p:cNvSpPr>
             <a:spLocks noGrp="1"/>
           </p:cNvSpPr>
@@ -501,8 +556,8 @@
         </p:nvSpPr>
         <p:spPr>
           <a:xfrm>
-            <a:off x="6543675" y="365125"/>
-            <a:ext cx="1971675" cy="5811838"/>
+            <a:off x="8839200" y="274641"/>
+            <a:ext cx="2743200" cy="5851525"/>
           </a:xfrm>
         </p:spPr>
         <p:txBody>
@@ -510,16 +565,16 @@
           <a:lstStyle/>
           <a:p>
             <a:r>
-              <a:rPr lang="en-US"/>
+              <a:rPr lang="en-US" altLang="zh-TW" smtClean="0"/>
               <a:t>Click to edit Master title style</a:t>
             </a:r>
-            <a:endParaRPr lang="en-US" dirty="0"/>
-          </a:p>
-        </p:txBody>
-      </p:sp>
-      <p:sp>
-        <p:nvSpPr>
-          <p:cNvPr id="3" name="Vertical Text Placeholder 2"/>
+            <a:endParaRPr lang="zh-TW" altLang="en-US"/>
+          </a:p>
+        </p:txBody>
+      </p:sp>
+      <p:sp>
+        <p:nvSpPr>
+          <p:cNvPr id="3" name="直排文字版面配置區 2"/>
           <p:cNvSpPr>
             <a:spLocks noGrp="1"/>
           </p:cNvSpPr>
@@ -529,8 +584,8 @@
         </p:nvSpPr>
         <p:spPr>
           <a:xfrm>
-            <a:off x="628650" y="365125"/>
-            <a:ext cx="5800725" cy="5811838"/>
+            <a:off x="609600" y="274641"/>
+            <a:ext cx="8026400" cy="5851525"/>
           </a:xfrm>
         </p:spPr>
         <p:txBody>
@@ -539,44 +594,44 @@
           <a:p>
             <a:pPr lvl="0"/>
             <a:r>
-              <a:rPr lang="en-US"/>
+              <a:rPr lang="en-US" altLang="zh-TW" smtClean="0"/>
               <a:t>Edit Master text styles</a:t>
             </a:r>
           </a:p>
           <a:p>
             <a:pPr lvl="1"/>
             <a:r>
-              <a:rPr lang="en-US"/>
+              <a:rPr lang="en-US" altLang="zh-TW" smtClean="0"/>
               <a:t>Second level</a:t>
             </a:r>
           </a:p>
           <a:p>
             <a:pPr lvl="2"/>
             <a:r>
-              <a:rPr lang="en-US"/>
+              <a:rPr lang="en-US" altLang="zh-TW" smtClean="0"/>
               <a:t>Third level</a:t>
             </a:r>
           </a:p>
           <a:p>
             <a:pPr lvl="3"/>
             <a:r>
-              <a:rPr lang="en-US"/>
+              <a:rPr lang="en-US" altLang="zh-TW" smtClean="0"/>
               <a:t>Fourth level</a:t>
             </a:r>
           </a:p>
           <a:p>
             <a:pPr lvl="4"/>
             <a:r>
-              <a:rPr lang="en-US"/>
+              <a:rPr lang="en-US" altLang="zh-TW" smtClean="0"/>
               <a:t>Fifth level</a:t>
             </a:r>
-            <a:endParaRPr lang="en-US" dirty="0"/>
-          </a:p>
-        </p:txBody>
-      </p:sp>
-      <p:sp>
-        <p:nvSpPr>
-          <p:cNvPr id="4" name="Date Placeholder 3"/>
+            <a:endParaRPr lang="zh-TW" altLang="en-US"/>
+          </a:p>
+        </p:txBody>
+      </p:sp>
+      <p:sp>
+        <p:nvSpPr>
+          <p:cNvPr id="4" name="日期版面配置區 3"/>
           <p:cNvSpPr>
             <a:spLocks noGrp="1"/>
           </p:cNvSpPr>
@@ -591,7 +646,7 @@
           <a:p>
             <a:fld id="{07887725-4040-4F7B-B71D-C5A122E4BBB1}" type="datetimeFigureOut">
               <a:rPr lang="en-US" smtClean="0"/>
-              <a:t>10/30/2017</a:t>
+              <a:t>7/29/2020</a:t>
             </a:fld>
             <a:endParaRPr lang="en-US"/>
           </a:p>
@@ -599,7 +654,7 @@
       </p:sp>
       <p:sp>
         <p:nvSpPr>
-          <p:cNvPr id="5" name="Footer Placeholder 4"/>
+          <p:cNvPr id="5" name="頁尾版面配置區 4"/>
           <p:cNvSpPr>
             <a:spLocks noGrp="1"/>
           </p:cNvSpPr>
@@ -618,7 +673,7 @@
       </p:sp>
       <p:sp>
         <p:nvSpPr>
-          <p:cNvPr id="6" name="Slide Number Placeholder 5"/>
+          <p:cNvPr id="6" name="投影片編號版面配置區 5"/>
           <p:cNvSpPr>
             <a:spLocks noGrp="1"/>
           </p:cNvSpPr>
@@ -642,7 +697,7 @@
     </p:spTree>
     <p:extLst>
       <p:ext uri="{BB962C8B-B14F-4D97-AF65-F5344CB8AC3E}">
-        <p14:creationId xmlns:p14="http://schemas.microsoft.com/office/powerpoint/2010/main" val="3584721379"/>
+        <p14:creationId xmlns:p14="http://schemas.microsoft.com/office/powerpoint/2010/main" val="1641909914"/>
       </p:ext>
     </p:extLst>
   </p:cSld>
@@ -654,7 +709,7 @@
 
 <file path=ppt/slideLayouts/slideLayout2.xml><?xml version="1.0" encoding="utf-8"?>
 <p:sldLayout xmlns:a="http://schemas.openxmlformats.org/drawingml/2006/main" xmlns:r="http://schemas.openxmlformats.org/officeDocument/2006/relationships" xmlns:p="http://schemas.openxmlformats.org/presentationml/2006/main" type="obj" preserve="1">
-  <p:cSld name="Title and Content">
+  <p:cSld name="標題及物件">
     <p:spTree>
       <p:nvGrpSpPr>
         <p:cNvPr id="1" name=""/>
@@ -671,7 +726,7 @@
       </p:grpSpPr>
       <p:sp>
         <p:nvSpPr>
-          <p:cNvPr id="2" name="Title 1"/>
+          <p:cNvPr id="2" name="標題 1"/>
           <p:cNvSpPr>
             <a:spLocks noGrp="1"/>
           </p:cNvSpPr>
@@ -685,16 +740,16 @@
           <a:lstStyle/>
           <a:p>
             <a:r>
-              <a:rPr lang="en-US"/>
+              <a:rPr lang="en-US" altLang="zh-TW" smtClean="0"/>
               <a:t>Click to edit Master title style</a:t>
             </a:r>
-            <a:endParaRPr lang="en-US" dirty="0"/>
-          </a:p>
-        </p:txBody>
-      </p:sp>
-      <p:sp>
-        <p:nvSpPr>
-          <p:cNvPr id="3" name="Content Placeholder 2"/>
+            <a:endParaRPr lang="zh-TW" altLang="en-US"/>
+          </a:p>
+        </p:txBody>
+      </p:sp>
+      <p:sp>
+        <p:nvSpPr>
+          <p:cNvPr id="3" name="內容版面配置區 2"/>
           <p:cNvSpPr>
             <a:spLocks noGrp="1"/>
           </p:cNvSpPr>
@@ -709,44 +764,44 @@
           <a:p>
             <a:pPr lvl="0"/>
             <a:r>
-              <a:rPr lang="en-US"/>
+              <a:rPr lang="en-US" altLang="zh-TW" smtClean="0"/>
               <a:t>Edit Master text styles</a:t>
             </a:r>
           </a:p>
           <a:p>
             <a:pPr lvl="1"/>
             <a:r>
-              <a:rPr lang="en-US"/>
+              <a:rPr lang="en-US" altLang="zh-TW" smtClean="0"/>
               <a:t>Second level</a:t>
             </a:r>
           </a:p>
           <a:p>
             <a:pPr lvl="2"/>
             <a:r>
-              <a:rPr lang="en-US"/>
+              <a:rPr lang="en-US" altLang="zh-TW" smtClean="0"/>
               <a:t>Third level</a:t>
             </a:r>
           </a:p>
           <a:p>
             <a:pPr lvl="3"/>
             <a:r>
-              <a:rPr lang="en-US"/>
+              <a:rPr lang="en-US" altLang="zh-TW" smtClean="0"/>
               <a:t>Fourth level</a:t>
             </a:r>
           </a:p>
           <a:p>
             <a:pPr lvl="4"/>
             <a:r>
-              <a:rPr lang="en-US"/>
+              <a:rPr lang="en-US" altLang="zh-TW" smtClean="0"/>
               <a:t>Fifth level</a:t>
             </a:r>
-            <a:endParaRPr lang="en-US" dirty="0"/>
-          </a:p>
-        </p:txBody>
-      </p:sp>
-      <p:sp>
-        <p:nvSpPr>
-          <p:cNvPr id="4" name="Date Placeholder 3"/>
+            <a:endParaRPr lang="zh-TW" altLang="en-US"/>
+          </a:p>
+        </p:txBody>
+      </p:sp>
+      <p:sp>
+        <p:nvSpPr>
+          <p:cNvPr id="4" name="日期版面配置區 3"/>
           <p:cNvSpPr>
             <a:spLocks noGrp="1"/>
           </p:cNvSpPr>
@@ -761,7 +816,7 @@
           <a:p>
             <a:fld id="{07887725-4040-4F7B-B71D-C5A122E4BBB1}" type="datetimeFigureOut">
               <a:rPr lang="en-US" smtClean="0"/>
-              <a:t>10/30/2017</a:t>
+              <a:t>7/29/2020</a:t>
             </a:fld>
             <a:endParaRPr lang="en-US"/>
           </a:p>
@@ -769,7 +824,7 @@
       </p:sp>
       <p:sp>
         <p:nvSpPr>
-          <p:cNvPr id="5" name="Footer Placeholder 4"/>
+          <p:cNvPr id="5" name="頁尾版面配置區 4"/>
           <p:cNvSpPr>
             <a:spLocks noGrp="1"/>
           </p:cNvSpPr>
@@ -788,7 +843,7 @@
       </p:sp>
       <p:sp>
         <p:nvSpPr>
-          <p:cNvPr id="6" name="Slide Number Placeholder 5"/>
+          <p:cNvPr id="6" name="投影片編號版面配置區 5"/>
           <p:cNvSpPr>
             <a:spLocks noGrp="1"/>
           </p:cNvSpPr>
@@ -812,7 +867,7 @@
     </p:spTree>
     <p:extLst>
       <p:ext uri="{BB962C8B-B14F-4D97-AF65-F5344CB8AC3E}">
-        <p14:creationId xmlns:p14="http://schemas.microsoft.com/office/powerpoint/2010/main" val="3762173983"/>
+        <p14:creationId xmlns:p14="http://schemas.microsoft.com/office/powerpoint/2010/main" val="2703448001"/>
       </p:ext>
     </p:extLst>
   </p:cSld>
@@ -824,7 +879,7 @@
 
 <file path=ppt/slideLayouts/slideLayout3.xml><?xml version="1.0" encoding="utf-8"?>
 <p:sldLayout xmlns:a="http://schemas.openxmlformats.org/drawingml/2006/main" xmlns:r="http://schemas.openxmlformats.org/officeDocument/2006/relationships" xmlns:p="http://schemas.openxmlformats.org/presentationml/2006/main" type="secHead" preserve="1">
-  <p:cSld name="Section Header">
+  <p:cSld name="區段標題">
     <p:spTree>
       <p:nvGrpSpPr>
         <p:cNvPr id="1" name=""/>
@@ -841,7 +896,7 @@
       </p:grpSpPr>
       <p:sp>
         <p:nvSpPr>
-          <p:cNvPr id="2" name="Title 1"/>
+          <p:cNvPr id="2" name="標題 1"/>
           <p:cNvSpPr>
             <a:spLocks noGrp="1"/>
           </p:cNvSpPr>
@@ -851,56 +906,58 @@
         </p:nvSpPr>
         <p:spPr>
           <a:xfrm>
-            <a:off x="623888" y="1709739"/>
-            <a:ext cx="7886700" cy="2852737"/>
+            <a:off x="963084" y="4406903"/>
+            <a:ext cx="10363200" cy="1362075"/>
           </a:xfrm>
         </p:spPr>
         <p:txBody>
+          <a:bodyPr anchor="t"/>
+          <a:lstStyle>
+            <a:lvl1pPr algn="l">
+              <a:defRPr sz="3000" b="1" cap="all"/>
+            </a:lvl1pPr>
+          </a:lstStyle>
+          <a:p>
+            <a:r>
+              <a:rPr lang="en-US" altLang="zh-TW" smtClean="0"/>
+              <a:t>Click to edit Master title style</a:t>
+            </a:r>
+            <a:endParaRPr lang="zh-TW" altLang="en-US"/>
+          </a:p>
+        </p:txBody>
+      </p:sp>
+      <p:sp>
+        <p:nvSpPr>
+          <p:cNvPr id="3" name="文字版面配置區 2"/>
+          <p:cNvSpPr>
+            <a:spLocks noGrp="1"/>
+          </p:cNvSpPr>
+          <p:nvPr>
+            <p:ph type="body" idx="1"/>
+          </p:nvPr>
+        </p:nvSpPr>
+        <p:spPr>
+          <a:xfrm>
+            <a:off x="963084" y="2906713"/>
+            <a:ext cx="10363200" cy="1500187"/>
+          </a:xfrm>
+        </p:spPr>
+        <p:txBody>
           <a:bodyPr anchor="b"/>
           <a:lstStyle>
-            <a:lvl1pPr>
-              <a:defRPr sz="6000"/>
-            </a:lvl1pPr>
-          </a:lstStyle>
-          <a:p>
-            <a:r>
-              <a:rPr lang="en-US"/>
-              <a:t>Click to edit Master title style</a:t>
-            </a:r>
-            <a:endParaRPr lang="en-US" dirty="0"/>
-          </a:p>
-        </p:txBody>
-      </p:sp>
-      <p:sp>
-        <p:nvSpPr>
-          <p:cNvPr id="3" name="Text Placeholder 2"/>
-          <p:cNvSpPr>
-            <a:spLocks noGrp="1"/>
-          </p:cNvSpPr>
-          <p:nvPr>
-            <p:ph type="body" idx="1"/>
-          </p:nvPr>
-        </p:nvSpPr>
-        <p:spPr>
-          <a:xfrm>
-            <a:off x="623888" y="4589464"/>
-            <a:ext cx="7886700" cy="1500187"/>
-          </a:xfrm>
-        </p:spPr>
-        <p:txBody>
-          <a:bodyPr/>
-          <a:lstStyle>
             <a:lvl1pPr marL="0" indent="0">
               <a:buNone/>
-              <a:defRPr sz="2400">
+              <a:defRPr sz="1500">
                 <a:solidFill>
-                  <a:schemeClr val="tx1"/>
+                  <a:schemeClr val="tx1">
+                    <a:tint val="75000"/>
+                  </a:schemeClr>
                 </a:solidFill>
               </a:defRPr>
             </a:lvl1pPr>
-            <a:lvl2pPr marL="457200" indent="0">
-              <a:buNone/>
-              <a:defRPr sz="2000">
+            <a:lvl2pPr marL="342900" indent="0">
+              <a:buNone/>
+              <a:defRPr sz="1350">
                 <a:solidFill>
                   <a:schemeClr val="tx1">
                     <a:tint val="75000"/>
@@ -908,9 +965,9 @@
                 </a:solidFill>
               </a:defRPr>
             </a:lvl2pPr>
-            <a:lvl3pPr marL="914400" indent="0">
-              <a:buNone/>
-              <a:defRPr sz="1800">
+            <a:lvl3pPr marL="685800" indent="0">
+              <a:buNone/>
+              <a:defRPr sz="1200">
                 <a:solidFill>
                   <a:schemeClr val="tx1">
                     <a:tint val="75000"/>
@@ -918,9 +975,9 @@
                 </a:solidFill>
               </a:defRPr>
             </a:lvl3pPr>
-            <a:lvl4pPr marL="1371600" indent="0">
-              <a:buNone/>
-              <a:defRPr sz="1600">
+            <a:lvl4pPr marL="1028700" indent="0">
+              <a:buNone/>
+              <a:defRPr sz="1050">
                 <a:solidFill>
                   <a:schemeClr val="tx1">
                     <a:tint val="75000"/>
@@ -928,9 +985,9 @@
                 </a:solidFill>
               </a:defRPr>
             </a:lvl4pPr>
-            <a:lvl5pPr marL="1828800" indent="0">
-              <a:buNone/>
-              <a:defRPr sz="1600">
+            <a:lvl5pPr marL="1371600" indent="0">
+              <a:buNone/>
+              <a:defRPr sz="1050">
                 <a:solidFill>
                   <a:schemeClr val="tx1">
                     <a:tint val="75000"/>
@@ -938,9 +995,9 @@
                 </a:solidFill>
               </a:defRPr>
             </a:lvl5pPr>
-            <a:lvl6pPr marL="2286000" indent="0">
-              <a:buNone/>
-              <a:defRPr sz="1600">
+            <a:lvl6pPr marL="1714500" indent="0">
+              <a:buNone/>
+              <a:defRPr sz="1050">
                 <a:solidFill>
                   <a:schemeClr val="tx1">
                     <a:tint val="75000"/>
@@ -948,9 +1005,9 @@
                 </a:solidFill>
               </a:defRPr>
             </a:lvl6pPr>
-            <a:lvl7pPr marL="2743200" indent="0">
-              <a:buNone/>
-              <a:defRPr sz="1600">
+            <a:lvl7pPr marL="2057400" indent="0">
+              <a:buNone/>
+              <a:defRPr sz="1050">
                 <a:solidFill>
                   <a:schemeClr val="tx1">
                     <a:tint val="75000"/>
@@ -958,9 +1015,9 @@
                 </a:solidFill>
               </a:defRPr>
             </a:lvl7pPr>
-            <a:lvl8pPr marL="3200400" indent="0">
-              <a:buNone/>
-              <a:defRPr sz="1600">
+            <a:lvl8pPr marL="2400300" indent="0">
+              <a:buNone/>
+              <a:defRPr sz="1050">
                 <a:solidFill>
                   <a:schemeClr val="tx1">
                     <a:tint val="75000"/>
@@ -968,9 +1025,9 @@
                 </a:solidFill>
               </a:defRPr>
             </a:lvl8pPr>
-            <a:lvl9pPr marL="3657600" indent="0">
-              <a:buNone/>
-              <a:defRPr sz="1600">
+            <a:lvl9pPr marL="2743200" indent="0">
+              <a:buNone/>
+              <a:defRPr sz="1050">
                 <a:solidFill>
                   <a:schemeClr val="tx1">
                     <a:tint val="75000"/>
@@ -982,7 +1039,7 @@
           <a:p>
             <a:pPr lvl="0"/>
             <a:r>
-              <a:rPr lang="en-US"/>
+              <a:rPr lang="en-US" altLang="zh-TW" smtClean="0"/>
               <a:t>Edit Master text styles</a:t>
             </a:r>
           </a:p>
@@ -990,7 +1047,7 @@
       </p:sp>
       <p:sp>
         <p:nvSpPr>
-          <p:cNvPr id="4" name="Date Placeholder 3"/>
+          <p:cNvPr id="4" name="日期版面配置區 3"/>
           <p:cNvSpPr>
             <a:spLocks noGrp="1"/>
           </p:cNvSpPr>
@@ -1005,7 +1062,7 @@
           <a:p>
             <a:fld id="{07887725-4040-4F7B-B71D-C5A122E4BBB1}" type="datetimeFigureOut">
               <a:rPr lang="en-US" smtClean="0"/>
-              <a:t>10/30/2017</a:t>
+              <a:t>7/29/2020</a:t>
             </a:fld>
             <a:endParaRPr lang="en-US"/>
           </a:p>
@@ -1013,7 +1070,7 @@
       </p:sp>
       <p:sp>
         <p:nvSpPr>
-          <p:cNvPr id="5" name="Footer Placeholder 4"/>
+          <p:cNvPr id="5" name="頁尾版面配置區 4"/>
           <p:cNvSpPr>
             <a:spLocks noGrp="1"/>
           </p:cNvSpPr>
@@ -1032,7 +1089,7 @@
       </p:sp>
       <p:sp>
         <p:nvSpPr>
-          <p:cNvPr id="6" name="Slide Number Placeholder 5"/>
+          <p:cNvPr id="6" name="投影片編號版面配置區 5"/>
           <p:cNvSpPr>
             <a:spLocks noGrp="1"/>
           </p:cNvSpPr>
@@ -1056,7 +1113,7 @@
     </p:spTree>
     <p:extLst>
       <p:ext uri="{BB962C8B-B14F-4D97-AF65-F5344CB8AC3E}">
-        <p14:creationId xmlns:p14="http://schemas.microsoft.com/office/powerpoint/2010/main" val="2242141704"/>
+        <p14:creationId xmlns:p14="http://schemas.microsoft.com/office/powerpoint/2010/main" val="3942972767"/>
       </p:ext>
     </p:extLst>
   </p:cSld>
@@ -1068,7 +1125,7 @@
 
 <file path=ppt/slideLayouts/slideLayout4.xml><?xml version="1.0" encoding="utf-8"?>
 <p:sldLayout xmlns:a="http://schemas.openxmlformats.org/drawingml/2006/main" xmlns:r="http://schemas.openxmlformats.org/officeDocument/2006/relationships" xmlns:p="http://schemas.openxmlformats.org/presentationml/2006/main" type="twoObj" preserve="1">
-  <p:cSld name="Two Content">
+  <p:cSld name="兩項物件">
     <p:spTree>
       <p:nvGrpSpPr>
         <p:cNvPr id="1" name=""/>
@@ -1085,7 +1142,7 @@
       </p:grpSpPr>
       <p:sp>
         <p:nvSpPr>
-          <p:cNvPr id="2" name="Title 1"/>
+          <p:cNvPr id="2" name="標題 1"/>
           <p:cNvSpPr>
             <a:spLocks noGrp="1"/>
           </p:cNvSpPr>
@@ -1099,16 +1156,16 @@
           <a:lstStyle/>
           <a:p>
             <a:r>
-              <a:rPr lang="en-US"/>
+              <a:rPr lang="en-US" altLang="zh-TW" smtClean="0"/>
               <a:t>Click to edit Master title style</a:t>
             </a:r>
-            <a:endParaRPr lang="en-US" dirty="0"/>
-          </a:p>
-        </p:txBody>
-      </p:sp>
-      <p:sp>
-        <p:nvSpPr>
-          <p:cNvPr id="3" name="Content Placeholder 2"/>
+            <a:endParaRPr lang="zh-TW" altLang="en-US"/>
+          </a:p>
+        </p:txBody>
+      </p:sp>
+      <p:sp>
+        <p:nvSpPr>
+          <p:cNvPr id="3" name="內容版面配置區 2"/>
           <p:cNvSpPr>
             <a:spLocks noGrp="1"/>
           </p:cNvSpPr>
@@ -1118,54 +1175,82 @@
         </p:nvSpPr>
         <p:spPr>
           <a:xfrm>
-            <a:off x="628650" y="1825625"/>
-            <a:ext cx="3886200" cy="4351338"/>
+            <a:off x="609600" y="1600203"/>
+            <a:ext cx="5384800" cy="4525963"/>
           </a:xfrm>
         </p:spPr>
         <p:txBody>
           <a:bodyPr/>
-          <a:lstStyle/>
+          <a:lstStyle>
+            <a:lvl1pPr>
+              <a:defRPr sz="2100"/>
+            </a:lvl1pPr>
+            <a:lvl2pPr>
+              <a:defRPr sz="1800"/>
+            </a:lvl2pPr>
+            <a:lvl3pPr>
+              <a:defRPr sz="1500"/>
+            </a:lvl3pPr>
+            <a:lvl4pPr>
+              <a:defRPr sz="1350"/>
+            </a:lvl4pPr>
+            <a:lvl5pPr>
+              <a:defRPr sz="1350"/>
+            </a:lvl5pPr>
+            <a:lvl6pPr>
+              <a:defRPr sz="1350"/>
+            </a:lvl6pPr>
+            <a:lvl7pPr>
+              <a:defRPr sz="1350"/>
+            </a:lvl7pPr>
+            <a:lvl8pPr>
+              <a:defRPr sz="1350"/>
+            </a:lvl8pPr>
+            <a:lvl9pPr>
+              <a:defRPr sz="1350"/>
+            </a:lvl9pPr>
+          </a:lstStyle>
           <a:p>
             <a:pPr lvl="0"/>
             <a:r>
-              <a:rPr lang="en-US"/>
+              <a:rPr lang="en-US" altLang="zh-TW" smtClean="0"/>
               <a:t>Edit Master text styles</a:t>
             </a:r>
           </a:p>
           <a:p>
             <a:pPr lvl="1"/>
             <a:r>
-              <a:rPr lang="en-US"/>
+              <a:rPr lang="en-US" altLang="zh-TW" smtClean="0"/>
               <a:t>Second level</a:t>
             </a:r>
           </a:p>
           <a:p>
             <a:pPr lvl="2"/>
             <a:r>
-              <a:rPr lang="en-US"/>
+              <a:rPr lang="en-US" altLang="zh-TW" smtClean="0"/>
               <a:t>Third level</a:t>
             </a:r>
           </a:p>
           <a:p>
             <a:pPr lvl="3"/>
             <a:r>
-              <a:rPr lang="en-US"/>
+              <a:rPr lang="en-US" altLang="zh-TW" smtClean="0"/>
               <a:t>Fourth level</a:t>
             </a:r>
           </a:p>
           <a:p>
             <a:pPr lvl="4"/>
             <a:r>
-              <a:rPr lang="en-US"/>
+              <a:rPr lang="en-US" altLang="zh-TW" smtClean="0"/>
               <a:t>Fifth level</a:t>
             </a:r>
-            <a:endParaRPr lang="en-US" dirty="0"/>
-          </a:p>
-        </p:txBody>
-      </p:sp>
-      <p:sp>
-        <p:nvSpPr>
-          <p:cNvPr id="4" name="Content Placeholder 3"/>
+            <a:endParaRPr lang="zh-TW" altLang="en-US"/>
+          </a:p>
+        </p:txBody>
+      </p:sp>
+      <p:sp>
+        <p:nvSpPr>
+          <p:cNvPr id="4" name="內容版面配置區 3"/>
           <p:cNvSpPr>
             <a:spLocks noGrp="1"/>
           </p:cNvSpPr>
@@ -1175,54 +1260,82 @@
         </p:nvSpPr>
         <p:spPr>
           <a:xfrm>
-            <a:off x="4629150" y="1825625"/>
-            <a:ext cx="3886200" cy="4351338"/>
+            <a:off x="6197600" y="1600203"/>
+            <a:ext cx="5384800" cy="4525963"/>
           </a:xfrm>
         </p:spPr>
         <p:txBody>
           <a:bodyPr/>
-          <a:lstStyle/>
+          <a:lstStyle>
+            <a:lvl1pPr>
+              <a:defRPr sz="2100"/>
+            </a:lvl1pPr>
+            <a:lvl2pPr>
+              <a:defRPr sz="1800"/>
+            </a:lvl2pPr>
+            <a:lvl3pPr>
+              <a:defRPr sz="1500"/>
+            </a:lvl3pPr>
+            <a:lvl4pPr>
+              <a:defRPr sz="1350"/>
+            </a:lvl4pPr>
+            <a:lvl5pPr>
+              <a:defRPr sz="1350"/>
+            </a:lvl5pPr>
+            <a:lvl6pPr>
+              <a:defRPr sz="1350"/>
+            </a:lvl6pPr>
+            <a:lvl7pPr>
+              <a:defRPr sz="1350"/>
+            </a:lvl7pPr>
+            <a:lvl8pPr>
+              <a:defRPr sz="1350"/>
+            </a:lvl8pPr>
+            <a:lvl9pPr>
+              <a:defRPr sz="1350"/>
+            </a:lvl9pPr>
+          </a:lstStyle>
           <a:p>
             <a:pPr lvl="0"/>
             <a:r>
-              <a:rPr lang="en-US"/>
+              <a:rPr lang="en-US" altLang="zh-TW" smtClean="0"/>
               <a:t>Edit Master text styles</a:t>
             </a:r>
           </a:p>
           <a:p>
             <a:pPr lvl="1"/>
             <a:r>
-              <a:rPr lang="en-US"/>
+              <a:rPr lang="en-US" altLang="zh-TW" smtClean="0"/>
               <a:t>Second level</a:t>
             </a:r>
           </a:p>
           <a:p>
             <a:pPr lvl="2"/>
             <a:r>
-              <a:rPr lang="en-US"/>
+              <a:rPr lang="en-US" altLang="zh-TW" smtClean="0"/>
               <a:t>Third level</a:t>
             </a:r>
           </a:p>
           <a:p>
             <a:pPr lvl="3"/>
             <a:r>
-              <a:rPr lang="en-US"/>
+              <a:rPr lang="en-US" altLang="zh-TW" smtClean="0"/>
               <a:t>Fourth level</a:t>
             </a:r>
           </a:p>
           <a:p>
             <a:pPr lvl="4"/>
             <a:r>
-              <a:rPr lang="en-US"/>
+              <a:rPr lang="en-US" altLang="zh-TW" smtClean="0"/>
               <a:t>Fifth level</a:t>
             </a:r>
-            <a:endParaRPr lang="en-US" dirty="0"/>
-          </a:p>
-        </p:txBody>
-      </p:sp>
-      <p:sp>
-        <p:nvSpPr>
-          <p:cNvPr id="5" name="Date Placeholder 4"/>
+            <a:endParaRPr lang="zh-TW" altLang="en-US"/>
+          </a:p>
+        </p:txBody>
+      </p:sp>
+      <p:sp>
+        <p:nvSpPr>
+          <p:cNvPr id="5" name="日期版面配置區 4"/>
           <p:cNvSpPr>
             <a:spLocks noGrp="1"/>
           </p:cNvSpPr>
@@ -1237,7 +1350,7 @@
           <a:p>
             <a:fld id="{07887725-4040-4F7B-B71D-C5A122E4BBB1}" type="datetimeFigureOut">
               <a:rPr lang="en-US" smtClean="0"/>
-              <a:t>10/30/2017</a:t>
+              <a:t>7/29/2020</a:t>
             </a:fld>
             <a:endParaRPr lang="en-US"/>
           </a:p>
@@ -1245,7 +1358,7 @@
       </p:sp>
       <p:sp>
         <p:nvSpPr>
-          <p:cNvPr id="6" name="Footer Placeholder 5"/>
+          <p:cNvPr id="6" name="頁尾版面配置區 5"/>
           <p:cNvSpPr>
             <a:spLocks noGrp="1"/>
           </p:cNvSpPr>
@@ -1264,7 +1377,7 @@
       </p:sp>
       <p:sp>
         <p:nvSpPr>
-          <p:cNvPr id="7" name="Slide Number Placeholder 6"/>
+          <p:cNvPr id="7" name="投影片編號版面配置區 6"/>
           <p:cNvSpPr>
             <a:spLocks noGrp="1"/>
           </p:cNvSpPr>
@@ -1288,7 +1401,7 @@
     </p:spTree>
     <p:extLst>
       <p:ext uri="{BB962C8B-B14F-4D97-AF65-F5344CB8AC3E}">
-        <p14:creationId xmlns:p14="http://schemas.microsoft.com/office/powerpoint/2010/main" val="4177612915"/>
+        <p14:creationId xmlns:p14="http://schemas.microsoft.com/office/powerpoint/2010/main" val="2498659238"/>
       </p:ext>
     </p:extLst>
   </p:cSld>
@@ -1300,7 +1413,7 @@
 
 <file path=ppt/slideLayouts/slideLayout5.xml><?xml version="1.0" encoding="utf-8"?>
 <p:sldLayout xmlns:a="http://schemas.openxmlformats.org/drawingml/2006/main" xmlns:r="http://schemas.openxmlformats.org/officeDocument/2006/relationships" xmlns:p="http://schemas.openxmlformats.org/presentationml/2006/main" type="twoTxTwoObj" preserve="1">
-  <p:cSld name="Comparison">
+  <p:cSld name="比對">
     <p:spTree>
       <p:nvGrpSpPr>
         <p:cNvPr id="1" name=""/>
@@ -1317,46 +1430,45 @@
       </p:grpSpPr>
       <p:sp>
         <p:nvSpPr>
-          <p:cNvPr id="2" name="Title 1"/>
+          <p:cNvPr id="2" name="標題 1"/>
           <p:cNvSpPr>
             <a:spLocks noGrp="1"/>
           </p:cNvSpPr>
           <p:nvPr>
             <p:ph type="title"/>
+          </p:nvPr>
+        </p:nvSpPr>
+        <p:spPr/>
+        <p:txBody>
+          <a:bodyPr/>
+          <a:lstStyle>
+            <a:lvl1pPr>
+              <a:defRPr/>
+            </a:lvl1pPr>
+          </a:lstStyle>
+          <a:p>
+            <a:r>
+              <a:rPr lang="en-US" altLang="zh-TW" smtClean="0"/>
+              <a:t>Click to edit Master title style</a:t>
+            </a:r>
+            <a:endParaRPr lang="zh-TW" altLang="en-US"/>
+          </a:p>
+        </p:txBody>
+      </p:sp>
+      <p:sp>
+        <p:nvSpPr>
+          <p:cNvPr id="3" name="文字版面配置區 2"/>
+          <p:cNvSpPr>
+            <a:spLocks noGrp="1"/>
+          </p:cNvSpPr>
+          <p:nvPr>
+            <p:ph type="body" idx="1"/>
           </p:nvPr>
         </p:nvSpPr>
         <p:spPr>
           <a:xfrm>
-            <a:off x="629841" y="365126"/>
-            <a:ext cx="7886700" cy="1325563"/>
-          </a:xfrm>
-        </p:spPr>
-        <p:txBody>
-          <a:bodyPr/>
-          <a:lstStyle/>
-          <a:p>
-            <a:r>
-              <a:rPr lang="en-US"/>
-              <a:t>Click to edit Master title style</a:t>
-            </a:r>
-            <a:endParaRPr lang="en-US" dirty="0"/>
-          </a:p>
-        </p:txBody>
-      </p:sp>
-      <p:sp>
-        <p:nvSpPr>
-          <p:cNvPr id="3" name="Text Placeholder 2"/>
-          <p:cNvSpPr>
-            <a:spLocks noGrp="1"/>
-          </p:cNvSpPr>
-          <p:nvPr>
-            <p:ph type="body" idx="1"/>
-          </p:nvPr>
-        </p:nvSpPr>
-        <p:spPr>
-          <a:xfrm>
-            <a:off x="629842" y="1681163"/>
-            <a:ext cx="3868340" cy="823912"/>
+            <a:off x="609600" y="1535113"/>
+            <a:ext cx="5386917" cy="639762"/>
           </a:xfrm>
         </p:spPr>
         <p:txBody>
@@ -1364,45 +1476,45 @@
           <a:lstStyle>
             <a:lvl1pPr marL="0" indent="0">
               <a:buNone/>
-              <a:defRPr sz="2400" b="1"/>
+              <a:defRPr sz="1800" b="1"/>
             </a:lvl1pPr>
-            <a:lvl2pPr marL="457200" indent="0">
-              <a:buNone/>
-              <a:defRPr sz="2000" b="1"/>
+            <a:lvl2pPr marL="342900" indent="0">
+              <a:buNone/>
+              <a:defRPr sz="1500" b="1"/>
             </a:lvl2pPr>
-            <a:lvl3pPr marL="914400" indent="0">
-              <a:buNone/>
-              <a:defRPr sz="1800" b="1"/>
+            <a:lvl3pPr marL="685800" indent="0">
+              <a:buNone/>
+              <a:defRPr sz="1350" b="1"/>
             </a:lvl3pPr>
-            <a:lvl4pPr marL="1371600" indent="0">
-              <a:buNone/>
-              <a:defRPr sz="1600" b="1"/>
+            <a:lvl4pPr marL="1028700" indent="0">
+              <a:buNone/>
+              <a:defRPr sz="1200" b="1"/>
             </a:lvl4pPr>
-            <a:lvl5pPr marL="1828800" indent="0">
-              <a:buNone/>
-              <a:defRPr sz="1600" b="1"/>
+            <a:lvl5pPr marL="1371600" indent="0">
+              <a:buNone/>
+              <a:defRPr sz="1200" b="1"/>
             </a:lvl5pPr>
-            <a:lvl6pPr marL="2286000" indent="0">
-              <a:buNone/>
-              <a:defRPr sz="1600" b="1"/>
+            <a:lvl6pPr marL="1714500" indent="0">
+              <a:buNone/>
+              <a:defRPr sz="1200" b="1"/>
             </a:lvl6pPr>
-            <a:lvl7pPr marL="2743200" indent="0">
-              <a:buNone/>
-              <a:defRPr sz="1600" b="1"/>
+            <a:lvl7pPr marL="2057400" indent="0">
+              <a:buNone/>
+              <a:defRPr sz="1200" b="1"/>
             </a:lvl7pPr>
-            <a:lvl8pPr marL="3200400" indent="0">
-              <a:buNone/>
-              <a:defRPr sz="1600" b="1"/>
+            <a:lvl8pPr marL="2400300" indent="0">
+              <a:buNone/>
+              <a:defRPr sz="1200" b="1"/>
             </a:lvl8pPr>
-            <a:lvl9pPr marL="3657600" indent="0">
-              <a:buNone/>
-              <a:defRPr sz="1600" b="1"/>
+            <a:lvl9pPr marL="2743200" indent="0">
+              <a:buNone/>
+              <a:defRPr sz="1200" b="1"/>
             </a:lvl9pPr>
           </a:lstStyle>
           <a:p>
             <a:pPr lvl="0"/>
             <a:r>
-              <a:rPr lang="en-US"/>
+              <a:rPr lang="en-US" altLang="zh-TW" smtClean="0"/>
               <a:t>Edit Master text styles</a:t>
             </a:r>
           </a:p>
@@ -1410,7 +1522,7 @@
       </p:sp>
       <p:sp>
         <p:nvSpPr>
-          <p:cNvPr id="4" name="Content Placeholder 3"/>
+          <p:cNvPr id="4" name="內容版面配置區 3"/>
           <p:cNvSpPr>
             <a:spLocks noGrp="1"/>
           </p:cNvSpPr>
@@ -1420,54 +1532,82 @@
         </p:nvSpPr>
         <p:spPr>
           <a:xfrm>
-            <a:off x="629842" y="2505075"/>
-            <a:ext cx="3868340" cy="3684588"/>
+            <a:off x="609600" y="2174875"/>
+            <a:ext cx="5386917" cy="3951288"/>
           </a:xfrm>
         </p:spPr>
         <p:txBody>
           <a:bodyPr/>
-          <a:lstStyle/>
+          <a:lstStyle>
+            <a:lvl1pPr>
+              <a:defRPr sz="1800"/>
+            </a:lvl1pPr>
+            <a:lvl2pPr>
+              <a:defRPr sz="1500"/>
+            </a:lvl2pPr>
+            <a:lvl3pPr>
+              <a:defRPr sz="1350"/>
+            </a:lvl3pPr>
+            <a:lvl4pPr>
+              <a:defRPr sz="1200"/>
+            </a:lvl4pPr>
+            <a:lvl5pPr>
+              <a:defRPr sz="1200"/>
+            </a:lvl5pPr>
+            <a:lvl6pPr>
+              <a:defRPr sz="1200"/>
+            </a:lvl6pPr>
+            <a:lvl7pPr>
+              <a:defRPr sz="1200"/>
+            </a:lvl7pPr>
+            <a:lvl8pPr>
+              <a:defRPr sz="1200"/>
+            </a:lvl8pPr>
+            <a:lvl9pPr>
+              <a:defRPr sz="1200"/>
+            </a:lvl9pPr>
+          </a:lstStyle>
           <a:p>
             <a:pPr lvl="0"/>
             <a:r>
-              <a:rPr lang="en-US"/>
+              <a:rPr lang="en-US" altLang="zh-TW" smtClean="0"/>
               <a:t>Edit Master text styles</a:t>
             </a:r>
           </a:p>
           <a:p>
             <a:pPr lvl="1"/>
             <a:r>
-              <a:rPr lang="en-US"/>
+              <a:rPr lang="en-US" altLang="zh-TW" smtClean="0"/>
               <a:t>Second level</a:t>
             </a:r>
           </a:p>
           <a:p>
             <a:pPr lvl="2"/>
             <a:r>
-              <a:rPr lang="en-US"/>
+              <a:rPr lang="en-US" altLang="zh-TW" smtClean="0"/>
               <a:t>Third level</a:t>
             </a:r>
           </a:p>
           <a:p>
             <a:pPr lvl="3"/>
             <a:r>
-              <a:rPr lang="en-US"/>
+              <a:rPr lang="en-US" altLang="zh-TW" smtClean="0"/>
               <a:t>Fourth level</a:t>
             </a:r>
           </a:p>
           <a:p>
             <a:pPr lvl="4"/>
             <a:r>
-              <a:rPr lang="en-US"/>
+              <a:rPr lang="en-US" altLang="zh-TW" smtClean="0"/>
               <a:t>Fifth level</a:t>
             </a:r>
-            <a:endParaRPr lang="en-US" dirty="0"/>
-          </a:p>
-        </p:txBody>
-      </p:sp>
-      <p:sp>
-        <p:nvSpPr>
-          <p:cNvPr id="5" name="Text Placeholder 4"/>
+            <a:endParaRPr lang="zh-TW" altLang="en-US"/>
+          </a:p>
+        </p:txBody>
+      </p:sp>
+      <p:sp>
+        <p:nvSpPr>
+          <p:cNvPr id="5" name="文字版面配置區 4"/>
           <p:cNvSpPr>
             <a:spLocks noGrp="1"/>
           </p:cNvSpPr>
@@ -1477,8 +1617,8 @@
         </p:nvSpPr>
         <p:spPr>
           <a:xfrm>
-            <a:off x="4629150" y="1681163"/>
-            <a:ext cx="3887391" cy="823912"/>
+            <a:off x="6193369" y="1535113"/>
+            <a:ext cx="5389033" cy="639762"/>
           </a:xfrm>
         </p:spPr>
         <p:txBody>
@@ -1486,45 +1626,45 @@
           <a:lstStyle>
             <a:lvl1pPr marL="0" indent="0">
               <a:buNone/>
-              <a:defRPr sz="2400" b="1"/>
+              <a:defRPr sz="1800" b="1"/>
             </a:lvl1pPr>
-            <a:lvl2pPr marL="457200" indent="0">
-              <a:buNone/>
-              <a:defRPr sz="2000" b="1"/>
+            <a:lvl2pPr marL="342900" indent="0">
+              <a:buNone/>
+              <a:defRPr sz="1500" b="1"/>
             </a:lvl2pPr>
-            <a:lvl3pPr marL="914400" indent="0">
-              <a:buNone/>
-              <a:defRPr sz="1800" b="1"/>
+            <a:lvl3pPr marL="685800" indent="0">
+              <a:buNone/>
+              <a:defRPr sz="1350" b="1"/>
             </a:lvl3pPr>
-            <a:lvl4pPr marL="1371600" indent="0">
-              <a:buNone/>
-              <a:defRPr sz="1600" b="1"/>
+            <a:lvl4pPr marL="1028700" indent="0">
+              <a:buNone/>
+              <a:defRPr sz="1200" b="1"/>
             </a:lvl4pPr>
-            <a:lvl5pPr marL="1828800" indent="0">
-              <a:buNone/>
-              <a:defRPr sz="1600" b="1"/>
+            <a:lvl5pPr marL="1371600" indent="0">
+              <a:buNone/>
+              <a:defRPr sz="1200" b="1"/>
             </a:lvl5pPr>
-            <a:lvl6pPr marL="2286000" indent="0">
-              <a:buNone/>
-              <a:defRPr sz="1600" b="1"/>
+            <a:lvl6pPr marL="1714500" indent="0">
+              <a:buNone/>
+              <a:defRPr sz="1200" b="1"/>
             </a:lvl6pPr>
-            <a:lvl7pPr marL="2743200" indent="0">
-              <a:buNone/>
-              <a:defRPr sz="1600" b="1"/>
+            <a:lvl7pPr marL="2057400" indent="0">
+              <a:buNone/>
+              <a:defRPr sz="1200" b="1"/>
             </a:lvl7pPr>
-            <a:lvl8pPr marL="3200400" indent="0">
-              <a:buNone/>
-              <a:defRPr sz="1600" b="1"/>
+            <a:lvl8pPr marL="2400300" indent="0">
+              <a:buNone/>
+              <a:defRPr sz="1200" b="1"/>
             </a:lvl8pPr>
-            <a:lvl9pPr marL="3657600" indent="0">
-              <a:buNone/>
-              <a:defRPr sz="1600" b="1"/>
+            <a:lvl9pPr marL="2743200" indent="0">
+              <a:buNone/>
+              <a:defRPr sz="1200" b="1"/>
             </a:lvl9pPr>
           </a:lstStyle>
           <a:p>
             <a:pPr lvl="0"/>
             <a:r>
-              <a:rPr lang="en-US"/>
+              <a:rPr lang="en-US" altLang="zh-TW" smtClean="0"/>
               <a:t>Edit Master text styles</a:t>
             </a:r>
           </a:p>
@@ -1532,7 +1672,7 @@
       </p:sp>
       <p:sp>
         <p:nvSpPr>
-          <p:cNvPr id="6" name="Content Placeholder 5"/>
+          <p:cNvPr id="6" name="內容版面配置區 5"/>
           <p:cNvSpPr>
             <a:spLocks noGrp="1"/>
           </p:cNvSpPr>
@@ -1542,54 +1682,82 @@
         </p:nvSpPr>
         <p:spPr>
           <a:xfrm>
-            <a:off x="4629150" y="2505075"/>
-            <a:ext cx="3887391" cy="3684588"/>
+            <a:off x="6193369" y="2174875"/>
+            <a:ext cx="5389033" cy="3951288"/>
           </a:xfrm>
         </p:spPr>
         <p:txBody>
           <a:bodyPr/>
-          <a:lstStyle/>
+          <a:lstStyle>
+            <a:lvl1pPr>
+              <a:defRPr sz="1800"/>
+            </a:lvl1pPr>
+            <a:lvl2pPr>
+              <a:defRPr sz="1500"/>
+            </a:lvl2pPr>
+            <a:lvl3pPr>
+              <a:defRPr sz="1350"/>
+            </a:lvl3pPr>
+            <a:lvl4pPr>
+              <a:defRPr sz="1200"/>
+            </a:lvl4pPr>
+            <a:lvl5pPr>
+              <a:defRPr sz="1200"/>
+            </a:lvl5pPr>
+            <a:lvl6pPr>
+              <a:defRPr sz="1200"/>
+            </a:lvl6pPr>
+            <a:lvl7pPr>
+              <a:defRPr sz="1200"/>
+            </a:lvl7pPr>
+            <a:lvl8pPr>
+              <a:defRPr sz="1200"/>
+            </a:lvl8pPr>
+            <a:lvl9pPr>
+              <a:defRPr sz="1200"/>
+            </a:lvl9pPr>
+          </a:lstStyle>
           <a:p>
             <a:pPr lvl="0"/>
             <a:r>
-              <a:rPr lang="en-US"/>
+              <a:rPr lang="en-US" altLang="zh-TW" smtClean="0"/>
               <a:t>Edit Master text styles</a:t>
             </a:r>
           </a:p>
           <a:p>
             <a:pPr lvl="1"/>
             <a:r>
-              <a:rPr lang="en-US"/>
+              <a:rPr lang="en-US" altLang="zh-TW" smtClean="0"/>
               <a:t>Second level</a:t>
             </a:r>
           </a:p>
           <a:p>
             <a:pPr lvl="2"/>
             <a:r>
-              <a:rPr lang="en-US"/>
+              <a:rPr lang="en-US" altLang="zh-TW" smtClean="0"/>
               <a:t>Third level</a:t>
             </a:r>
           </a:p>
           <a:p>
             <a:pPr lvl="3"/>
             <a:r>
-              <a:rPr lang="en-US"/>
+              <a:rPr lang="en-US" altLang="zh-TW" smtClean="0"/>
               <a:t>Fourth level</a:t>
             </a:r>
           </a:p>
           <a:p>
             <a:pPr lvl="4"/>
             <a:r>
-              <a:rPr lang="en-US"/>
+              <a:rPr lang="en-US" altLang="zh-TW" smtClean="0"/>
               <a:t>Fifth level</a:t>
             </a:r>
-            <a:endParaRPr lang="en-US" dirty="0"/>
-          </a:p>
-        </p:txBody>
-      </p:sp>
-      <p:sp>
-        <p:nvSpPr>
-          <p:cNvPr id="7" name="Date Placeholder 6"/>
+            <a:endParaRPr lang="zh-TW" altLang="en-US"/>
+          </a:p>
+        </p:txBody>
+      </p:sp>
+      <p:sp>
+        <p:nvSpPr>
+          <p:cNvPr id="7" name="日期版面配置區 6"/>
           <p:cNvSpPr>
             <a:spLocks noGrp="1"/>
           </p:cNvSpPr>
@@ -1604,7 +1772,7 @@
           <a:p>
             <a:fld id="{07887725-4040-4F7B-B71D-C5A122E4BBB1}" type="datetimeFigureOut">
               <a:rPr lang="en-US" smtClean="0"/>
-              <a:t>10/30/2017</a:t>
+              <a:t>7/29/2020</a:t>
             </a:fld>
             <a:endParaRPr lang="en-US"/>
           </a:p>
@@ -1612,7 +1780,7 @@
       </p:sp>
       <p:sp>
         <p:nvSpPr>
-          <p:cNvPr id="8" name="Footer Placeholder 7"/>
+          <p:cNvPr id="8" name="頁尾版面配置區 7"/>
           <p:cNvSpPr>
             <a:spLocks noGrp="1"/>
           </p:cNvSpPr>
@@ -1631,7 +1799,7 @@
       </p:sp>
       <p:sp>
         <p:nvSpPr>
-          <p:cNvPr id="9" name="Slide Number Placeholder 8"/>
+          <p:cNvPr id="9" name="投影片編號版面配置區 8"/>
           <p:cNvSpPr>
             <a:spLocks noGrp="1"/>
           </p:cNvSpPr>
@@ -1655,7 +1823,7 @@
     </p:spTree>
     <p:extLst>
       <p:ext uri="{BB962C8B-B14F-4D97-AF65-F5344CB8AC3E}">
-        <p14:creationId xmlns:p14="http://schemas.microsoft.com/office/powerpoint/2010/main" val="1987191187"/>
+        <p14:creationId xmlns:p14="http://schemas.microsoft.com/office/powerpoint/2010/main" val="2979397646"/>
       </p:ext>
     </p:extLst>
   </p:cSld>
@@ -1667,7 +1835,7 @@
 
 <file path=ppt/slideLayouts/slideLayout6.xml><?xml version="1.0" encoding="utf-8"?>
 <p:sldLayout xmlns:a="http://schemas.openxmlformats.org/drawingml/2006/main" xmlns:r="http://schemas.openxmlformats.org/officeDocument/2006/relationships" xmlns:p="http://schemas.openxmlformats.org/presentationml/2006/main" type="titleOnly" preserve="1">
-  <p:cSld name="Title Only">
+  <p:cSld name="只有標題">
     <p:spTree>
       <p:nvGrpSpPr>
         <p:cNvPr id="1" name=""/>
@@ -1684,7 +1852,7 @@
       </p:grpSpPr>
       <p:sp>
         <p:nvSpPr>
-          <p:cNvPr id="2" name="Title 1"/>
+          <p:cNvPr id="2" name="標題 1"/>
           <p:cNvSpPr>
             <a:spLocks noGrp="1"/>
           </p:cNvSpPr>
@@ -1698,16 +1866,16 @@
           <a:lstStyle/>
           <a:p>
             <a:r>
-              <a:rPr lang="en-US"/>
+              <a:rPr lang="en-US" altLang="zh-TW" smtClean="0"/>
               <a:t>Click to edit Master title style</a:t>
             </a:r>
-            <a:endParaRPr lang="en-US" dirty="0"/>
-          </a:p>
-        </p:txBody>
-      </p:sp>
-      <p:sp>
-        <p:nvSpPr>
-          <p:cNvPr id="3" name="Date Placeholder 2"/>
+            <a:endParaRPr lang="zh-TW" altLang="en-US"/>
+          </a:p>
+        </p:txBody>
+      </p:sp>
+      <p:sp>
+        <p:nvSpPr>
+          <p:cNvPr id="3" name="日期版面配置區 2"/>
           <p:cNvSpPr>
             <a:spLocks noGrp="1"/>
           </p:cNvSpPr>
@@ -1722,7 +1890,7 @@
           <a:p>
             <a:fld id="{07887725-4040-4F7B-B71D-C5A122E4BBB1}" type="datetimeFigureOut">
               <a:rPr lang="en-US" smtClean="0"/>
-              <a:t>10/30/2017</a:t>
+              <a:t>7/29/2020</a:t>
             </a:fld>
             <a:endParaRPr lang="en-US"/>
           </a:p>
@@ -1730,7 +1898,7 @@
       </p:sp>
       <p:sp>
         <p:nvSpPr>
-          <p:cNvPr id="4" name="Footer Placeholder 3"/>
+          <p:cNvPr id="4" name="頁尾版面配置區 3"/>
           <p:cNvSpPr>
             <a:spLocks noGrp="1"/>
           </p:cNvSpPr>
@@ -1749,7 +1917,7 @@
       </p:sp>
       <p:sp>
         <p:nvSpPr>
-          <p:cNvPr id="5" name="Slide Number Placeholder 4"/>
+          <p:cNvPr id="5" name="投影片編號版面配置區 4"/>
           <p:cNvSpPr>
             <a:spLocks noGrp="1"/>
           </p:cNvSpPr>
@@ -1773,7 +1941,7 @@
     </p:spTree>
     <p:extLst>
       <p:ext uri="{BB962C8B-B14F-4D97-AF65-F5344CB8AC3E}">
-        <p14:creationId xmlns:p14="http://schemas.microsoft.com/office/powerpoint/2010/main" val="1448884665"/>
+        <p14:creationId xmlns:p14="http://schemas.microsoft.com/office/powerpoint/2010/main" val="1950159488"/>
       </p:ext>
     </p:extLst>
   </p:cSld>
@@ -1785,7 +1953,7 @@
 
 <file path=ppt/slideLayouts/slideLayout7.xml><?xml version="1.0" encoding="utf-8"?>
 <p:sldLayout xmlns:a="http://schemas.openxmlformats.org/drawingml/2006/main" xmlns:r="http://schemas.openxmlformats.org/officeDocument/2006/relationships" xmlns:p="http://schemas.openxmlformats.org/presentationml/2006/main" type="blank" preserve="1">
-  <p:cSld name="Blank">
+  <p:cSld name="空白">
     <p:spTree>
       <p:nvGrpSpPr>
         <p:cNvPr id="1" name=""/>
@@ -1802,7 +1970,7 @@
       </p:grpSpPr>
       <p:sp>
         <p:nvSpPr>
-          <p:cNvPr id="2" name="Date Placeholder 1"/>
+          <p:cNvPr id="2" name="日期版面配置區 1"/>
           <p:cNvSpPr>
             <a:spLocks noGrp="1"/>
           </p:cNvSpPr>
@@ -1817,7 +1985,7 @@
           <a:p>
             <a:fld id="{07887725-4040-4F7B-B71D-C5A122E4BBB1}" type="datetimeFigureOut">
               <a:rPr lang="en-US" smtClean="0"/>
-              <a:t>10/30/2017</a:t>
+              <a:t>7/29/2020</a:t>
             </a:fld>
             <a:endParaRPr lang="en-US"/>
           </a:p>
@@ -1825,7 +1993,7 @@
       </p:sp>
       <p:sp>
         <p:nvSpPr>
-          <p:cNvPr id="3" name="Footer Placeholder 2"/>
+          <p:cNvPr id="3" name="頁尾版面配置區 2"/>
           <p:cNvSpPr>
             <a:spLocks noGrp="1"/>
           </p:cNvSpPr>
@@ -1844,7 +2012,7 @@
       </p:sp>
       <p:sp>
         <p:nvSpPr>
-          <p:cNvPr id="4" name="Slide Number Placeholder 3"/>
+          <p:cNvPr id="4" name="投影片編號版面配置區 3"/>
           <p:cNvSpPr>
             <a:spLocks noGrp="1"/>
           </p:cNvSpPr>
@@ -1868,7 +2036,7 @@
     </p:spTree>
     <p:extLst>
       <p:ext uri="{BB962C8B-B14F-4D97-AF65-F5344CB8AC3E}">
-        <p14:creationId xmlns:p14="http://schemas.microsoft.com/office/powerpoint/2010/main" val="1369171392"/>
+        <p14:creationId xmlns:p14="http://schemas.microsoft.com/office/powerpoint/2010/main" val="3895075085"/>
       </p:ext>
     </p:extLst>
   </p:cSld>
@@ -1880,7 +2048,7 @@
 
 <file path=ppt/slideLayouts/slideLayout8.xml><?xml version="1.0" encoding="utf-8"?>
 <p:sldLayout xmlns:a="http://schemas.openxmlformats.org/drawingml/2006/main" xmlns:r="http://schemas.openxmlformats.org/officeDocument/2006/relationships" xmlns:p="http://schemas.openxmlformats.org/presentationml/2006/main" type="objTx" preserve="1">
-  <p:cSld name="Content with Caption">
+  <p:cSld name="含標題的內容">
     <p:spTree>
       <p:nvGrpSpPr>
         <p:cNvPr id="1" name=""/>
@@ -1897,7 +2065,7 @@
       </p:grpSpPr>
       <p:sp>
         <p:nvSpPr>
-          <p:cNvPr id="2" name="Title 1"/>
+          <p:cNvPr id="2" name="標題 1"/>
           <p:cNvSpPr>
             <a:spLocks noGrp="1"/>
           </p:cNvSpPr>
@@ -1907,29 +2075,29 @@
         </p:nvSpPr>
         <p:spPr>
           <a:xfrm>
-            <a:off x="629841" y="457200"/>
-            <a:ext cx="2949178" cy="1600200"/>
+            <a:off x="609602" y="273050"/>
+            <a:ext cx="4011084" cy="1162050"/>
           </a:xfrm>
         </p:spPr>
         <p:txBody>
           <a:bodyPr anchor="b"/>
           <a:lstStyle>
-            <a:lvl1pPr>
-              <a:defRPr sz="3200"/>
+            <a:lvl1pPr algn="l">
+              <a:defRPr sz="1500" b="1"/>
             </a:lvl1pPr>
           </a:lstStyle>
           <a:p>
             <a:r>
-              <a:rPr lang="en-US"/>
+              <a:rPr lang="en-US" altLang="zh-TW" smtClean="0"/>
               <a:t>Click to edit Master title style</a:t>
             </a:r>
-            <a:endParaRPr lang="en-US" dirty="0"/>
-          </a:p>
-        </p:txBody>
-      </p:sp>
-      <p:sp>
-        <p:nvSpPr>
-          <p:cNvPr id="3" name="Content Placeholder 2"/>
+            <a:endParaRPr lang="zh-TW" altLang="en-US"/>
+          </a:p>
+        </p:txBody>
+      </p:sp>
+      <p:sp>
+        <p:nvSpPr>
+          <p:cNvPr id="3" name="內容版面配置區 2"/>
           <p:cNvSpPr>
             <a:spLocks noGrp="1"/>
           </p:cNvSpPr>
@@ -1939,82 +2107,82 @@
         </p:nvSpPr>
         <p:spPr>
           <a:xfrm>
-            <a:off x="3887391" y="987426"/>
-            <a:ext cx="4629150" cy="4873625"/>
+            <a:off x="4766733" y="273053"/>
+            <a:ext cx="6815667" cy="5853113"/>
           </a:xfrm>
         </p:spPr>
         <p:txBody>
           <a:bodyPr/>
           <a:lstStyle>
             <a:lvl1pPr>
-              <a:defRPr sz="3200"/>
+              <a:defRPr sz="2400"/>
             </a:lvl1pPr>
             <a:lvl2pPr>
-              <a:defRPr sz="2800"/>
+              <a:defRPr sz="2100"/>
             </a:lvl2pPr>
             <a:lvl3pPr>
-              <a:defRPr sz="2400"/>
+              <a:defRPr sz="1800"/>
             </a:lvl3pPr>
             <a:lvl4pPr>
-              <a:defRPr sz="2000"/>
+              <a:defRPr sz="1500"/>
             </a:lvl4pPr>
             <a:lvl5pPr>
-              <a:defRPr sz="2000"/>
+              <a:defRPr sz="1500"/>
             </a:lvl5pPr>
             <a:lvl6pPr>
-              <a:defRPr sz="2000"/>
+              <a:defRPr sz="1500"/>
             </a:lvl6pPr>
             <a:lvl7pPr>
-              <a:defRPr sz="2000"/>
+              <a:defRPr sz="1500"/>
             </a:lvl7pPr>
             <a:lvl8pPr>
-              <a:defRPr sz="2000"/>
+              <a:defRPr sz="1500"/>
             </a:lvl8pPr>
             <a:lvl9pPr>
-              <a:defRPr sz="2000"/>
+              <a:defRPr sz="1500"/>
             </a:lvl9pPr>
           </a:lstStyle>
           <a:p>
             <a:pPr lvl="0"/>
             <a:r>
-              <a:rPr lang="en-US"/>
+              <a:rPr lang="en-US" altLang="zh-TW" smtClean="0"/>
               <a:t>Edit Master text styles</a:t>
             </a:r>
           </a:p>
           <a:p>
             <a:pPr lvl="1"/>
             <a:r>
-              <a:rPr lang="en-US"/>
+              <a:rPr lang="en-US" altLang="zh-TW" smtClean="0"/>
               <a:t>Second level</a:t>
             </a:r>
           </a:p>
           <a:p>
             <a:pPr lvl="2"/>
             <a:r>
-              <a:rPr lang="en-US"/>
+              <a:rPr lang="en-US" altLang="zh-TW" smtClean="0"/>
               <a:t>Third level</a:t>
             </a:r>
           </a:p>
           <a:p>
             <a:pPr lvl="3"/>
             <a:r>
-              <a:rPr lang="en-US"/>
+              <a:rPr lang="en-US" altLang="zh-TW" smtClean="0"/>
               <a:t>Fourth level</a:t>
             </a:r>
           </a:p>
           <a:p>
             <a:pPr lvl="4"/>
             <a:r>
-              <a:rPr lang="en-US"/>
+              <a:rPr lang="en-US" altLang="zh-TW" smtClean="0"/>
               <a:t>Fifth level</a:t>
             </a:r>
-            <a:endParaRPr lang="en-US" dirty="0"/>
-          </a:p>
-        </p:txBody>
-      </p:sp>
-      <p:sp>
-        <p:nvSpPr>
-          <p:cNvPr id="4" name="Text Placeholder 3"/>
+            <a:endParaRPr lang="zh-TW" altLang="en-US"/>
+          </a:p>
+        </p:txBody>
+      </p:sp>
+      <p:sp>
+        <p:nvSpPr>
+          <p:cNvPr id="4" name="文字版面配置區 3"/>
           <p:cNvSpPr>
             <a:spLocks noGrp="1"/>
           </p:cNvSpPr>
@@ -2024,8 +2192,8 @@
         </p:nvSpPr>
         <p:spPr>
           <a:xfrm>
-            <a:off x="629841" y="2057400"/>
-            <a:ext cx="2949178" cy="3811588"/>
+            <a:off x="609602" y="1435103"/>
+            <a:ext cx="4011084" cy="4691063"/>
           </a:xfrm>
         </p:spPr>
         <p:txBody>
@@ -2033,45 +2201,45 @@
           <a:lstStyle>
             <a:lvl1pPr marL="0" indent="0">
               <a:buNone/>
-              <a:defRPr sz="1600"/>
+              <a:defRPr sz="1050"/>
             </a:lvl1pPr>
-            <a:lvl2pPr marL="457200" indent="0">
-              <a:buNone/>
-              <a:defRPr sz="1400"/>
+            <a:lvl2pPr marL="342900" indent="0">
+              <a:buNone/>
+              <a:defRPr sz="900"/>
             </a:lvl2pPr>
-            <a:lvl3pPr marL="914400" indent="0">
-              <a:buNone/>
-              <a:defRPr sz="1200"/>
+            <a:lvl3pPr marL="685800" indent="0">
+              <a:buNone/>
+              <a:defRPr sz="750"/>
             </a:lvl3pPr>
-            <a:lvl4pPr marL="1371600" indent="0">
-              <a:buNone/>
-              <a:defRPr sz="1000"/>
+            <a:lvl4pPr marL="1028700" indent="0">
+              <a:buNone/>
+              <a:defRPr sz="675"/>
             </a:lvl4pPr>
-            <a:lvl5pPr marL="1828800" indent="0">
-              <a:buNone/>
-              <a:defRPr sz="1000"/>
+            <a:lvl5pPr marL="1371600" indent="0">
+              <a:buNone/>
+              <a:defRPr sz="675"/>
             </a:lvl5pPr>
-            <a:lvl6pPr marL="2286000" indent="0">
-              <a:buNone/>
-              <a:defRPr sz="1000"/>
+            <a:lvl6pPr marL="1714500" indent="0">
+              <a:buNone/>
+              <a:defRPr sz="675"/>
             </a:lvl6pPr>
-            <a:lvl7pPr marL="2743200" indent="0">
-              <a:buNone/>
-              <a:defRPr sz="1000"/>
+            <a:lvl7pPr marL="2057400" indent="0">
+              <a:buNone/>
+              <a:defRPr sz="675"/>
             </a:lvl7pPr>
-            <a:lvl8pPr marL="3200400" indent="0">
-              <a:buNone/>
-              <a:defRPr sz="1000"/>
+            <a:lvl8pPr marL="2400300" indent="0">
+              <a:buNone/>
+              <a:defRPr sz="675"/>
             </a:lvl8pPr>
-            <a:lvl9pPr marL="3657600" indent="0">
-              <a:buNone/>
-              <a:defRPr sz="1000"/>
+            <a:lvl9pPr marL="2743200" indent="0">
+              <a:buNone/>
+              <a:defRPr sz="675"/>
             </a:lvl9pPr>
           </a:lstStyle>
           <a:p>
             <a:pPr lvl="0"/>
             <a:r>
-              <a:rPr lang="en-US"/>
+              <a:rPr lang="en-US" altLang="zh-TW" smtClean="0"/>
               <a:t>Edit Master text styles</a:t>
             </a:r>
           </a:p>
@@ -2079,7 +2247,7 @@
       </p:sp>
       <p:sp>
         <p:nvSpPr>
-          <p:cNvPr id="5" name="Date Placeholder 4"/>
+          <p:cNvPr id="5" name="日期版面配置區 4"/>
           <p:cNvSpPr>
             <a:spLocks noGrp="1"/>
           </p:cNvSpPr>
@@ -2094,7 +2262,7 @@
           <a:p>
             <a:fld id="{07887725-4040-4F7B-B71D-C5A122E4BBB1}" type="datetimeFigureOut">
               <a:rPr lang="en-US" smtClean="0"/>
-              <a:t>10/30/2017</a:t>
+              <a:t>7/29/2020</a:t>
             </a:fld>
             <a:endParaRPr lang="en-US"/>
           </a:p>
@@ -2102,7 +2270,7 @@
       </p:sp>
       <p:sp>
         <p:nvSpPr>
-          <p:cNvPr id="6" name="Footer Placeholder 5"/>
+          <p:cNvPr id="6" name="頁尾版面配置區 5"/>
           <p:cNvSpPr>
             <a:spLocks noGrp="1"/>
           </p:cNvSpPr>
@@ -2121,7 +2289,7 @@
       </p:sp>
       <p:sp>
         <p:nvSpPr>
-          <p:cNvPr id="7" name="Slide Number Placeholder 6"/>
+          <p:cNvPr id="7" name="投影片編號版面配置區 6"/>
           <p:cNvSpPr>
             <a:spLocks noGrp="1"/>
           </p:cNvSpPr>
@@ -2145,7 +2313,7 @@
     </p:spTree>
     <p:extLst>
       <p:ext uri="{BB962C8B-B14F-4D97-AF65-F5344CB8AC3E}">
-        <p14:creationId xmlns:p14="http://schemas.microsoft.com/office/powerpoint/2010/main" val="4200103546"/>
+        <p14:creationId xmlns:p14="http://schemas.microsoft.com/office/powerpoint/2010/main" val="438975564"/>
       </p:ext>
     </p:extLst>
   </p:cSld>
@@ -2157,7 +2325,7 @@
 
 <file path=ppt/slideLayouts/slideLayout9.xml><?xml version="1.0" encoding="utf-8"?>
 <p:sldLayout xmlns:a="http://schemas.openxmlformats.org/drawingml/2006/main" xmlns:r="http://schemas.openxmlformats.org/officeDocument/2006/relationships" xmlns:p="http://schemas.openxmlformats.org/presentationml/2006/main" type="picTx" preserve="1">
-  <p:cSld name="Picture with Caption">
+  <p:cSld name="含標題的圖片">
     <p:spTree>
       <p:nvGrpSpPr>
         <p:cNvPr id="1" name=""/>
@@ -2174,7 +2342,7 @@
       </p:grpSpPr>
       <p:sp>
         <p:nvSpPr>
-          <p:cNvPr id="2" name="Title 1"/>
+          <p:cNvPr id="2" name="標題 1"/>
           <p:cNvSpPr>
             <a:spLocks noGrp="1"/>
           </p:cNvSpPr>
@@ -2184,31 +2352,31 @@
         </p:nvSpPr>
         <p:spPr>
           <a:xfrm>
-            <a:off x="629841" y="457200"/>
-            <a:ext cx="2949178" cy="1600200"/>
+            <a:off x="2389717" y="4800600"/>
+            <a:ext cx="7315200" cy="566738"/>
           </a:xfrm>
         </p:spPr>
         <p:txBody>
           <a:bodyPr anchor="b"/>
           <a:lstStyle>
-            <a:lvl1pPr>
-              <a:defRPr sz="3200"/>
+            <a:lvl1pPr algn="l">
+              <a:defRPr sz="1500" b="1"/>
             </a:lvl1pPr>
           </a:lstStyle>
           <a:p>
             <a:r>
-              <a:rPr lang="en-US"/>
+              <a:rPr lang="en-US" altLang="zh-TW" smtClean="0"/>
               <a:t>Click to edit Master title style</a:t>
             </a:r>
-            <a:endParaRPr lang="en-US" dirty="0"/>
-          </a:p>
-        </p:txBody>
-      </p:sp>
-      <p:sp>
-        <p:nvSpPr>
-          <p:cNvPr id="3" name="Picture Placeholder 2"/>
-          <p:cNvSpPr>
-            <a:spLocks noGrp="1" noChangeAspect="1"/>
+            <a:endParaRPr lang="zh-TW" altLang="en-US"/>
+          </a:p>
+        </p:txBody>
+      </p:sp>
+      <p:sp>
+        <p:nvSpPr>
+          <p:cNvPr id="3" name="圖片版面配置區 2"/>
+          <p:cNvSpPr>
+            <a:spLocks noGrp="1"/>
           </p:cNvSpPr>
           <p:nvPr>
             <p:ph type="pic" idx="1"/>
@@ -2216,62 +2384,62 @@
         </p:nvSpPr>
         <p:spPr>
           <a:xfrm>
-            <a:off x="3887391" y="987426"/>
-            <a:ext cx="4629150" cy="4873625"/>
+            <a:off x="2389717" y="612775"/>
+            <a:ext cx="7315200" cy="4114800"/>
           </a:xfrm>
         </p:spPr>
         <p:txBody>
-          <a:bodyPr anchor="t"/>
+          <a:bodyPr/>
           <a:lstStyle>
             <a:lvl1pPr marL="0" indent="0">
               <a:buNone/>
-              <a:defRPr sz="3200"/>
+              <a:defRPr sz="2400"/>
             </a:lvl1pPr>
-            <a:lvl2pPr marL="457200" indent="0">
-              <a:buNone/>
-              <a:defRPr sz="2800"/>
+            <a:lvl2pPr marL="342900" indent="0">
+              <a:buNone/>
+              <a:defRPr sz="2100"/>
             </a:lvl2pPr>
-            <a:lvl3pPr marL="914400" indent="0">
-              <a:buNone/>
-              <a:defRPr sz="2400"/>
+            <a:lvl3pPr marL="685800" indent="0">
+              <a:buNone/>
+              <a:defRPr sz="1800"/>
             </a:lvl3pPr>
-            <a:lvl4pPr marL="1371600" indent="0">
-              <a:buNone/>
-              <a:defRPr sz="2000"/>
+            <a:lvl4pPr marL="1028700" indent="0">
+              <a:buNone/>
+              <a:defRPr sz="1500"/>
             </a:lvl4pPr>
-            <a:lvl5pPr marL="1828800" indent="0">
-              <a:buNone/>
-              <a:defRPr sz="2000"/>
+            <a:lvl5pPr marL="1371600" indent="0">
+              <a:buNone/>
+              <a:defRPr sz="1500"/>
             </a:lvl5pPr>
-            <a:lvl6pPr marL="2286000" indent="0">
-              <a:buNone/>
-              <a:defRPr sz="2000"/>
+            <a:lvl6pPr marL="1714500" indent="0">
+              <a:buNone/>
+              <a:defRPr sz="1500"/>
             </a:lvl6pPr>
-            <a:lvl7pPr marL="2743200" indent="0">
-              <a:buNone/>
-              <a:defRPr sz="2000"/>
+            <a:lvl7pPr marL="2057400" indent="0">
+              <a:buNone/>
+              <a:defRPr sz="1500"/>
             </a:lvl7pPr>
-            <a:lvl8pPr marL="3200400" indent="0">
-              <a:buNone/>
-              <a:defRPr sz="2000"/>
+            <a:lvl8pPr marL="2400300" indent="0">
+              <a:buNone/>
+              <a:defRPr sz="1500"/>
             </a:lvl8pPr>
-            <a:lvl9pPr marL="3657600" indent="0">
-              <a:buNone/>
-              <a:defRPr sz="2000"/>
+            <a:lvl9pPr marL="2743200" indent="0">
+              <a:buNone/>
+              <a:defRPr sz="1500"/>
             </a:lvl9pPr>
           </a:lstStyle>
           <a:p>
             <a:r>
-              <a:rPr lang="en-US"/>
+              <a:rPr lang="en-US" altLang="zh-TW" smtClean="0"/>
               <a:t>Click icon to add picture</a:t>
             </a:r>
-            <a:endParaRPr lang="en-US" dirty="0"/>
-          </a:p>
-        </p:txBody>
-      </p:sp>
-      <p:sp>
-        <p:nvSpPr>
-          <p:cNvPr id="4" name="Text Placeholder 3"/>
+            <a:endParaRPr lang="zh-TW" altLang="en-US"/>
+          </a:p>
+        </p:txBody>
+      </p:sp>
+      <p:sp>
+        <p:nvSpPr>
+          <p:cNvPr id="4" name="文字版面配置區 3"/>
           <p:cNvSpPr>
             <a:spLocks noGrp="1"/>
           </p:cNvSpPr>
@@ -2281,8 +2449,8 @@
         </p:nvSpPr>
         <p:spPr>
           <a:xfrm>
-            <a:off x="629841" y="2057400"/>
-            <a:ext cx="2949178" cy="3811588"/>
+            <a:off x="2389717" y="5367338"/>
+            <a:ext cx="7315200" cy="804862"/>
           </a:xfrm>
         </p:spPr>
         <p:txBody>
@@ -2290,45 +2458,45 @@
           <a:lstStyle>
             <a:lvl1pPr marL="0" indent="0">
               <a:buNone/>
-              <a:defRPr sz="1600"/>
+              <a:defRPr sz="1050"/>
             </a:lvl1pPr>
-            <a:lvl2pPr marL="457200" indent="0">
-              <a:buNone/>
-              <a:defRPr sz="1400"/>
+            <a:lvl2pPr marL="342900" indent="0">
+              <a:buNone/>
+              <a:defRPr sz="900"/>
             </a:lvl2pPr>
-            <a:lvl3pPr marL="914400" indent="0">
-              <a:buNone/>
-              <a:defRPr sz="1200"/>
+            <a:lvl3pPr marL="685800" indent="0">
+              <a:buNone/>
+              <a:defRPr sz="750"/>
             </a:lvl3pPr>
-            <a:lvl4pPr marL="1371600" indent="0">
-              <a:buNone/>
-              <a:defRPr sz="1000"/>
+            <a:lvl4pPr marL="1028700" indent="0">
+              <a:buNone/>
+              <a:defRPr sz="675"/>
             </a:lvl4pPr>
-            <a:lvl5pPr marL="1828800" indent="0">
-              <a:buNone/>
-              <a:defRPr sz="1000"/>
+            <a:lvl5pPr marL="1371600" indent="0">
+              <a:buNone/>
+              <a:defRPr sz="675"/>
             </a:lvl5pPr>
-            <a:lvl6pPr marL="2286000" indent="0">
-              <a:buNone/>
-              <a:defRPr sz="1000"/>
+            <a:lvl6pPr marL="1714500" indent="0">
+              <a:buNone/>
+              <a:defRPr sz="675"/>
             </a:lvl6pPr>
-            <a:lvl7pPr marL="2743200" indent="0">
-              <a:buNone/>
-              <a:defRPr sz="1000"/>
+            <a:lvl7pPr marL="2057400" indent="0">
+              <a:buNone/>
+              <a:defRPr sz="675"/>
             </a:lvl7pPr>
-            <a:lvl8pPr marL="3200400" indent="0">
-              <a:buNone/>
-              <a:defRPr sz="1000"/>
+            <a:lvl8pPr marL="2400300" indent="0">
+              <a:buNone/>
+              <a:defRPr sz="675"/>
             </a:lvl8pPr>
-            <a:lvl9pPr marL="3657600" indent="0">
-              <a:buNone/>
-              <a:defRPr sz="1000"/>
+            <a:lvl9pPr marL="2743200" indent="0">
+              <a:buNone/>
+              <a:defRPr sz="675"/>
             </a:lvl9pPr>
           </a:lstStyle>
           <a:p>
             <a:pPr lvl="0"/>
             <a:r>
-              <a:rPr lang="en-US"/>
+              <a:rPr lang="en-US" altLang="zh-TW" smtClean="0"/>
               <a:t>Edit Master text styles</a:t>
             </a:r>
           </a:p>
@@ -2336,7 +2504,7 @@
       </p:sp>
       <p:sp>
         <p:nvSpPr>
-          <p:cNvPr id="5" name="Date Placeholder 4"/>
+          <p:cNvPr id="5" name="日期版面配置區 4"/>
           <p:cNvSpPr>
             <a:spLocks noGrp="1"/>
           </p:cNvSpPr>
@@ -2351,7 +2519,7 @@
           <a:p>
             <a:fld id="{07887725-4040-4F7B-B71D-C5A122E4BBB1}" type="datetimeFigureOut">
               <a:rPr lang="en-US" smtClean="0"/>
-              <a:t>10/30/2017</a:t>
+              <a:t>7/29/2020</a:t>
             </a:fld>
             <a:endParaRPr lang="en-US"/>
           </a:p>
@@ -2359,7 +2527,7 @@
       </p:sp>
       <p:sp>
         <p:nvSpPr>
-          <p:cNvPr id="6" name="Footer Placeholder 5"/>
+          <p:cNvPr id="6" name="頁尾版面配置區 5"/>
           <p:cNvSpPr>
             <a:spLocks noGrp="1"/>
           </p:cNvSpPr>
@@ -2378,7 +2546,7 @@
       </p:sp>
       <p:sp>
         <p:nvSpPr>
-          <p:cNvPr id="7" name="Slide Number Placeholder 6"/>
+          <p:cNvPr id="7" name="投影片編號版面配置區 6"/>
           <p:cNvSpPr>
             <a:spLocks noGrp="1"/>
           </p:cNvSpPr>
@@ -2402,7 +2570,7 @@
     </p:spTree>
     <p:extLst>
       <p:ext uri="{BB962C8B-B14F-4D97-AF65-F5344CB8AC3E}">
-        <p14:creationId xmlns:p14="http://schemas.microsoft.com/office/powerpoint/2010/main" val="640918899"/>
+        <p14:creationId xmlns:p14="http://schemas.microsoft.com/office/powerpoint/2010/main" val="3401534957"/>
       </p:ext>
     </p:extLst>
   </p:cSld>
@@ -2416,9 +2584,14 @@
 <p:sldMaster xmlns:a="http://schemas.openxmlformats.org/drawingml/2006/main" xmlns:r="http://schemas.openxmlformats.org/officeDocument/2006/relationships" xmlns:p="http://schemas.openxmlformats.org/presentationml/2006/main">
   <p:cSld>
     <p:bg>
-      <p:bgRef idx="1001">
-        <a:schemeClr val="bg1"/>
-      </p:bgRef>
+      <p:bgPr>
+        <a:blipFill dpi="0" rotWithShape="1">
+          <a:blip r:embed="rId13"/>
+          <a:srcRect/>
+          <a:tile tx="0" ty="0" sx="100000" sy="100000" flip="none" algn="tl"/>
+        </a:blipFill>
+        <a:effectLst/>
+      </p:bgPr>
     </p:bg>
     <p:spTree>
       <p:nvGrpSpPr>
@@ -2436,7 +2609,7 @@
       </p:grpSpPr>
       <p:sp>
         <p:nvSpPr>
-          <p:cNvPr id="2" name="Title Placeholder 1"/>
+          <p:cNvPr id="2" name="標題版面配置區 1"/>
           <p:cNvSpPr>
             <a:spLocks noGrp="1"/>
           </p:cNvSpPr>
@@ -2446,8 +2619,8 @@
         </p:nvSpPr>
         <p:spPr>
           <a:xfrm>
-            <a:off x="628650" y="365126"/>
-            <a:ext cx="7886700" cy="1325563"/>
+            <a:off x="609600" y="274638"/>
+            <a:ext cx="10972800" cy="1143000"/>
           </a:xfrm>
           <a:prstGeom prst="rect">
             <a:avLst/>
@@ -2460,16 +2633,16 @@
           <a:lstStyle/>
           <a:p>
             <a:r>
-              <a:rPr lang="en-US"/>
-              <a:t>Click to edit Master title style</a:t>
-            </a:r>
-            <a:endParaRPr lang="en-US" dirty="0"/>
-          </a:p>
-        </p:txBody>
-      </p:sp>
-      <p:sp>
-        <p:nvSpPr>
-          <p:cNvPr id="3" name="Text Placeholder 2"/>
+              <a:rPr lang="zh-TW" altLang="en-US" smtClean="0"/>
+              <a:t>按一下以編輯母片標題樣式</a:t>
+            </a:r>
+            <a:endParaRPr lang="zh-TW" altLang="en-US"/>
+          </a:p>
+        </p:txBody>
+      </p:sp>
+      <p:sp>
+        <p:nvSpPr>
+          <p:cNvPr id="3" name="文字版面配置區 2"/>
           <p:cNvSpPr>
             <a:spLocks noGrp="1"/>
           </p:cNvSpPr>
@@ -2479,8 +2652,8 @@
         </p:nvSpPr>
         <p:spPr>
           <a:xfrm>
-            <a:off x="628650" y="1825625"/>
-            <a:ext cx="7886700" cy="4351338"/>
+            <a:off x="609600" y="1600203"/>
+            <a:ext cx="10972800" cy="4525963"/>
           </a:xfrm>
           <a:prstGeom prst="rect">
             <a:avLst/>
@@ -2494,44 +2667,44 @@
           <a:p>
             <a:pPr lvl="0"/>
             <a:r>
-              <a:rPr lang="en-US"/>
-              <a:t>Edit Master text styles</a:t>
+              <a:rPr lang="zh-TW" altLang="en-US" smtClean="0"/>
+              <a:t>按一下以編輯母片文字樣式</a:t>
             </a:r>
           </a:p>
           <a:p>
             <a:pPr lvl="1"/>
             <a:r>
-              <a:rPr lang="en-US"/>
-              <a:t>Second level</a:t>
+              <a:rPr lang="zh-TW" altLang="en-US" smtClean="0"/>
+              <a:t>第二層</a:t>
             </a:r>
           </a:p>
           <a:p>
             <a:pPr lvl="2"/>
             <a:r>
-              <a:rPr lang="en-US"/>
-              <a:t>Third level</a:t>
+              <a:rPr lang="zh-TW" altLang="en-US" smtClean="0"/>
+              <a:t>第三層</a:t>
             </a:r>
           </a:p>
           <a:p>
             <a:pPr lvl="3"/>
             <a:r>
-              <a:rPr lang="en-US"/>
-              <a:t>Fourth level</a:t>
+              <a:rPr lang="zh-TW" altLang="en-US" smtClean="0"/>
+              <a:t>第四層</a:t>
             </a:r>
           </a:p>
           <a:p>
             <a:pPr lvl="4"/>
             <a:r>
-              <a:rPr lang="en-US"/>
-              <a:t>Fifth level</a:t>
-            </a:r>
-            <a:endParaRPr lang="en-US" dirty="0"/>
-          </a:p>
-        </p:txBody>
-      </p:sp>
-      <p:sp>
-        <p:nvSpPr>
-          <p:cNvPr id="4" name="Date Placeholder 3"/>
+              <a:rPr lang="zh-TW" altLang="en-US" smtClean="0"/>
+              <a:t>第五層</a:t>
+            </a:r>
+            <a:endParaRPr lang="zh-TW" altLang="en-US"/>
+          </a:p>
+        </p:txBody>
+      </p:sp>
+      <p:sp>
+        <p:nvSpPr>
+          <p:cNvPr id="4" name="日期版面配置區 3"/>
           <p:cNvSpPr>
             <a:spLocks noGrp="1"/>
           </p:cNvSpPr>
@@ -2541,8 +2714,8 @@
         </p:nvSpPr>
         <p:spPr>
           <a:xfrm>
-            <a:off x="628650" y="6356351"/>
-            <a:ext cx="2057400" cy="365125"/>
+            <a:off x="609600" y="6356353"/>
+            <a:ext cx="2844800" cy="365125"/>
           </a:xfrm>
           <a:prstGeom prst="rect">
             <a:avLst/>
@@ -2552,7 +2725,7 @@
           <a:bodyPr vert="horz" lIns="91440" tIns="45720" rIns="91440" bIns="45720" rtlCol="0" anchor="ctr"/>
           <a:lstStyle>
             <a:lvl1pPr algn="l">
-              <a:defRPr sz="1200">
+              <a:defRPr sz="900">
                 <a:solidFill>
                   <a:schemeClr val="tx1">
                     <a:tint val="75000"/>
@@ -2564,7 +2737,7 @@
           <a:p>
             <a:fld id="{07887725-4040-4F7B-B71D-C5A122E4BBB1}" type="datetimeFigureOut">
               <a:rPr lang="en-US" smtClean="0"/>
-              <a:t>10/30/2017</a:t>
+              <a:t>7/29/2020</a:t>
             </a:fld>
             <a:endParaRPr lang="en-US"/>
           </a:p>
@@ -2572,7 +2745,7 @@
       </p:sp>
       <p:sp>
         <p:nvSpPr>
-          <p:cNvPr id="5" name="Footer Placeholder 4"/>
+          <p:cNvPr id="5" name="頁尾版面配置區 4"/>
           <p:cNvSpPr>
             <a:spLocks noGrp="1"/>
           </p:cNvSpPr>
@@ -2582,8 +2755,8 @@
         </p:nvSpPr>
         <p:spPr>
           <a:xfrm>
-            <a:off x="3028950" y="6356351"/>
-            <a:ext cx="3086100" cy="365125"/>
+            <a:off x="4165600" y="6356353"/>
+            <a:ext cx="3860800" cy="365125"/>
           </a:xfrm>
           <a:prstGeom prst="rect">
             <a:avLst/>
@@ -2593,7 +2766,7 @@
           <a:bodyPr vert="horz" lIns="91440" tIns="45720" rIns="91440" bIns="45720" rtlCol="0" anchor="ctr"/>
           <a:lstStyle>
             <a:lvl1pPr algn="ctr">
-              <a:defRPr sz="1200">
+              <a:defRPr sz="900">
                 <a:solidFill>
                   <a:schemeClr val="tx1">
                     <a:tint val="75000"/>
@@ -2609,7 +2782,7 @@
       </p:sp>
       <p:sp>
         <p:nvSpPr>
-          <p:cNvPr id="6" name="Slide Number Placeholder 5"/>
+          <p:cNvPr id="6" name="投影片編號版面配置區 5"/>
           <p:cNvSpPr>
             <a:spLocks noGrp="1"/>
           </p:cNvSpPr>
@@ -2619,8 +2792,8 @@
         </p:nvSpPr>
         <p:spPr>
           <a:xfrm>
-            <a:off x="6457950" y="6356351"/>
-            <a:ext cx="2057400" cy="365125"/>
+            <a:off x="8737600" y="6356353"/>
+            <a:ext cx="2844800" cy="365125"/>
           </a:xfrm>
           <a:prstGeom prst="rect">
             <a:avLst/>
@@ -2630,7 +2803,7 @@
           <a:bodyPr vert="horz" lIns="91440" tIns="45720" rIns="91440" bIns="45720" rtlCol="0" anchor="ctr"/>
           <a:lstStyle>
             <a:lvl1pPr algn="r">
-              <a:defRPr sz="1200">
+              <a:defRPr sz="900">
                 <a:solidFill>
                   <a:schemeClr val="tx1">
                     <a:tint val="75000"/>
@@ -2651,35 +2824,32 @@
     </p:spTree>
     <p:extLst>
       <p:ext uri="{BB962C8B-B14F-4D97-AF65-F5344CB8AC3E}">
-        <p14:creationId xmlns:p14="http://schemas.microsoft.com/office/powerpoint/2010/main" val="2295900376"/>
+        <p14:creationId xmlns:p14="http://schemas.microsoft.com/office/powerpoint/2010/main" val="4149678908"/>
       </p:ext>
     </p:extLst>
   </p:cSld>
   <p:clrMap bg1="lt1" tx1="dk1" bg2="lt2" tx2="dk2" accent1="accent1" accent2="accent2" accent3="accent3" accent4="accent4" accent5="accent5" accent6="accent6" hlink="hlink" folHlink="folHlink"/>
   <p:sldLayoutIdLst>
-    <p:sldLayoutId id="2147483661" r:id="rId1"/>
-    <p:sldLayoutId id="2147483662" r:id="rId2"/>
-    <p:sldLayoutId id="2147483663" r:id="rId3"/>
-    <p:sldLayoutId id="2147483664" r:id="rId4"/>
-    <p:sldLayoutId id="2147483665" r:id="rId5"/>
-    <p:sldLayoutId id="2147483666" r:id="rId6"/>
-    <p:sldLayoutId id="2147483667" r:id="rId7"/>
-    <p:sldLayoutId id="2147483668" r:id="rId8"/>
-    <p:sldLayoutId id="2147483669" r:id="rId9"/>
-    <p:sldLayoutId id="2147483670" r:id="rId10"/>
-    <p:sldLayoutId id="2147483671" r:id="rId11"/>
+    <p:sldLayoutId id="2147483673" r:id="rId1"/>
+    <p:sldLayoutId id="2147483674" r:id="rId2"/>
+    <p:sldLayoutId id="2147483675" r:id="rId3"/>
+    <p:sldLayoutId id="2147483676" r:id="rId4"/>
+    <p:sldLayoutId id="2147483677" r:id="rId5"/>
+    <p:sldLayoutId id="2147483678" r:id="rId6"/>
+    <p:sldLayoutId id="2147483679" r:id="rId7"/>
+    <p:sldLayoutId id="2147483680" r:id="rId8"/>
+    <p:sldLayoutId id="2147483681" r:id="rId9"/>
+    <p:sldLayoutId id="2147483682" r:id="rId10"/>
+    <p:sldLayoutId id="2147483683" r:id="rId11"/>
   </p:sldLayoutIdLst>
   <p:txStyles>
     <p:titleStyle>
-      <a:lvl1pPr algn="l" defTabSz="914400" rtl="0" eaLnBrk="1" latinLnBrk="0" hangingPunct="1">
-        <a:lnSpc>
-          <a:spcPct val="90000"/>
-        </a:lnSpc>
+      <a:lvl1pPr algn="ctr" defTabSz="685800" rtl="0" eaLnBrk="1" latinLnBrk="0" hangingPunct="1">
         <a:spcBef>
           <a:spcPct val="0"/>
         </a:spcBef>
         <a:buNone/>
-        <a:defRPr sz="4400" kern="1200">
+        <a:defRPr sz="3300" kern="1200">
           <a:solidFill>
             <a:schemeClr val="tx1"/>
           </a:solidFill>
@@ -2690,32 +2860,11 @@
       </a:lvl1pPr>
     </p:titleStyle>
     <p:bodyStyle>
-      <a:lvl1pPr marL="228600" indent="-228600" algn="l" defTabSz="914400" rtl="0" eaLnBrk="1" latinLnBrk="0" hangingPunct="1">
-        <a:lnSpc>
-          <a:spcPct val="90000"/>
-        </a:lnSpc>
+      <a:lvl1pPr marL="257175" indent="-257175" algn="l" defTabSz="685800" rtl="0" eaLnBrk="1" latinLnBrk="0" hangingPunct="1">
         <a:spcBef>
-          <a:spcPts val="1000"/>
+          <a:spcPct val="20000"/>
         </a:spcBef>
-        <a:buFont typeface="Arial" panose="020B0604020202020204" pitchFamily="34" charset="0"/>
-        <a:buChar char="•"/>
-        <a:defRPr sz="2800" kern="1200">
-          <a:solidFill>
-            <a:schemeClr val="tx1"/>
-          </a:solidFill>
-          <a:latin typeface="+mn-lt"/>
-          <a:ea typeface="+mn-ea"/>
-          <a:cs typeface="+mn-cs"/>
-        </a:defRPr>
-      </a:lvl1pPr>
-      <a:lvl2pPr marL="685800" indent="-228600" algn="l" defTabSz="914400" rtl="0" eaLnBrk="1" latinLnBrk="0" hangingPunct="1">
-        <a:lnSpc>
-          <a:spcPct val="90000"/>
-        </a:lnSpc>
-        <a:spcBef>
-          <a:spcPts val="500"/>
-        </a:spcBef>
-        <a:buFont typeface="Arial" panose="020B0604020202020204" pitchFamily="34" charset="0"/>
+        <a:buFont typeface="Arial" pitchFamily="34" charset="0"/>
         <a:buChar char="•"/>
         <a:defRPr sz="2400" kern="1200">
           <a:solidFill>
@@ -2725,17 +2874,14 @@
           <a:ea typeface="+mn-ea"/>
           <a:cs typeface="+mn-cs"/>
         </a:defRPr>
-      </a:lvl2pPr>
-      <a:lvl3pPr marL="1143000" indent="-228600" algn="l" defTabSz="914400" rtl="0" eaLnBrk="1" latinLnBrk="0" hangingPunct="1">
-        <a:lnSpc>
-          <a:spcPct val="90000"/>
-        </a:lnSpc>
+      </a:lvl1pPr>
+      <a:lvl2pPr marL="557213" indent="-214313" algn="l" defTabSz="685800" rtl="0" eaLnBrk="1" latinLnBrk="0" hangingPunct="1">
         <a:spcBef>
-          <a:spcPts val="500"/>
+          <a:spcPct val="20000"/>
         </a:spcBef>
-        <a:buFont typeface="Arial" panose="020B0604020202020204" pitchFamily="34" charset="0"/>
-        <a:buChar char="•"/>
-        <a:defRPr sz="2000" kern="1200">
+        <a:buFont typeface="Arial" pitchFamily="34" charset="0"/>
+        <a:buChar char="–"/>
+        <a:defRPr sz="2100" kern="1200">
           <a:solidFill>
             <a:schemeClr val="tx1"/>
           </a:solidFill>
@@ -2743,15 +2889,12 @@
           <a:ea typeface="+mn-ea"/>
           <a:cs typeface="+mn-cs"/>
         </a:defRPr>
-      </a:lvl3pPr>
-      <a:lvl4pPr marL="1600200" indent="-228600" algn="l" defTabSz="914400" rtl="0" eaLnBrk="1" latinLnBrk="0" hangingPunct="1">
-        <a:lnSpc>
-          <a:spcPct val="90000"/>
-        </a:lnSpc>
+      </a:lvl2pPr>
+      <a:lvl3pPr marL="857250" indent="-171450" algn="l" defTabSz="685800" rtl="0" eaLnBrk="1" latinLnBrk="0" hangingPunct="1">
         <a:spcBef>
-          <a:spcPts val="500"/>
+          <a:spcPct val="20000"/>
         </a:spcBef>
-        <a:buFont typeface="Arial" panose="020B0604020202020204" pitchFamily="34" charset="0"/>
+        <a:buFont typeface="Arial" pitchFamily="34" charset="0"/>
         <a:buChar char="•"/>
         <a:defRPr sz="1800" kern="1200">
           <a:solidFill>
@@ -2761,17 +2904,29 @@
           <a:ea typeface="+mn-ea"/>
           <a:cs typeface="+mn-cs"/>
         </a:defRPr>
+      </a:lvl3pPr>
+      <a:lvl4pPr marL="1200150" indent="-171450" algn="l" defTabSz="685800" rtl="0" eaLnBrk="1" latinLnBrk="0" hangingPunct="1">
+        <a:spcBef>
+          <a:spcPct val="20000"/>
+        </a:spcBef>
+        <a:buFont typeface="Arial" pitchFamily="34" charset="0"/>
+        <a:buChar char="–"/>
+        <a:defRPr sz="1500" kern="1200">
+          <a:solidFill>
+            <a:schemeClr val="tx1"/>
+          </a:solidFill>
+          <a:latin typeface="+mn-lt"/>
+          <a:ea typeface="+mn-ea"/>
+          <a:cs typeface="+mn-cs"/>
+        </a:defRPr>
       </a:lvl4pPr>
-      <a:lvl5pPr marL="2057400" indent="-228600" algn="l" defTabSz="914400" rtl="0" eaLnBrk="1" latinLnBrk="0" hangingPunct="1">
-        <a:lnSpc>
-          <a:spcPct val="90000"/>
-        </a:lnSpc>
+      <a:lvl5pPr marL="1543050" indent="-171450" algn="l" defTabSz="685800" rtl="0" eaLnBrk="1" latinLnBrk="0" hangingPunct="1">
         <a:spcBef>
-          <a:spcPts val="500"/>
+          <a:spcPct val="20000"/>
         </a:spcBef>
-        <a:buFont typeface="Arial" panose="020B0604020202020204" pitchFamily="34" charset="0"/>
-        <a:buChar char="•"/>
-        <a:defRPr sz="1800" kern="1200">
+        <a:buFont typeface="Arial" pitchFamily="34" charset="0"/>
+        <a:buChar char="»"/>
+        <a:defRPr sz="1500" kern="1200">
           <a:solidFill>
             <a:schemeClr val="tx1"/>
           </a:solidFill>
@@ -2780,16 +2935,13 @@
           <a:cs typeface="+mn-cs"/>
         </a:defRPr>
       </a:lvl5pPr>
-      <a:lvl6pPr marL="2514600" indent="-228600" algn="l" defTabSz="914400" rtl="0" eaLnBrk="1" latinLnBrk="0" hangingPunct="1">
-        <a:lnSpc>
-          <a:spcPct val="90000"/>
-        </a:lnSpc>
+      <a:lvl6pPr marL="1885950" indent="-171450" algn="l" defTabSz="685800" rtl="0" eaLnBrk="1" latinLnBrk="0" hangingPunct="1">
         <a:spcBef>
-          <a:spcPts val="500"/>
+          <a:spcPct val="20000"/>
         </a:spcBef>
-        <a:buFont typeface="Arial" panose="020B0604020202020204" pitchFamily="34" charset="0"/>
+        <a:buFont typeface="Arial" pitchFamily="34" charset="0"/>
         <a:buChar char="•"/>
-        <a:defRPr sz="1800" kern="1200">
+        <a:defRPr sz="1500" kern="1200">
           <a:solidFill>
             <a:schemeClr val="tx1"/>
           </a:solidFill>
@@ -2798,16 +2950,13 @@
           <a:cs typeface="+mn-cs"/>
         </a:defRPr>
       </a:lvl6pPr>
-      <a:lvl7pPr marL="2971800" indent="-228600" algn="l" defTabSz="914400" rtl="0" eaLnBrk="1" latinLnBrk="0" hangingPunct="1">
-        <a:lnSpc>
-          <a:spcPct val="90000"/>
-        </a:lnSpc>
+      <a:lvl7pPr marL="2228850" indent="-171450" algn="l" defTabSz="685800" rtl="0" eaLnBrk="1" latinLnBrk="0" hangingPunct="1">
         <a:spcBef>
-          <a:spcPts val="500"/>
+          <a:spcPct val="20000"/>
         </a:spcBef>
-        <a:buFont typeface="Arial" panose="020B0604020202020204" pitchFamily="34" charset="0"/>
+        <a:buFont typeface="Arial" pitchFamily="34" charset="0"/>
         <a:buChar char="•"/>
-        <a:defRPr sz="1800" kern="1200">
+        <a:defRPr sz="1500" kern="1200">
           <a:solidFill>
             <a:schemeClr val="tx1"/>
           </a:solidFill>
@@ -2816,16 +2965,13 @@
           <a:cs typeface="+mn-cs"/>
         </a:defRPr>
       </a:lvl7pPr>
-      <a:lvl8pPr marL="3429000" indent="-228600" algn="l" defTabSz="914400" rtl="0" eaLnBrk="1" latinLnBrk="0" hangingPunct="1">
-        <a:lnSpc>
-          <a:spcPct val="90000"/>
-        </a:lnSpc>
+      <a:lvl8pPr marL="2571750" indent="-171450" algn="l" defTabSz="685800" rtl="0" eaLnBrk="1" latinLnBrk="0" hangingPunct="1">
         <a:spcBef>
-          <a:spcPts val="500"/>
+          <a:spcPct val="20000"/>
         </a:spcBef>
-        <a:buFont typeface="Arial" panose="020B0604020202020204" pitchFamily="34" charset="0"/>
+        <a:buFont typeface="Arial" pitchFamily="34" charset="0"/>
         <a:buChar char="•"/>
-        <a:defRPr sz="1800" kern="1200">
+        <a:defRPr sz="1500" kern="1200">
           <a:solidFill>
             <a:schemeClr val="tx1"/>
           </a:solidFill>
@@ -2834,16 +2980,13 @@
           <a:cs typeface="+mn-cs"/>
         </a:defRPr>
       </a:lvl8pPr>
-      <a:lvl9pPr marL="3886200" indent="-228600" algn="l" defTabSz="914400" rtl="0" eaLnBrk="1" latinLnBrk="0" hangingPunct="1">
-        <a:lnSpc>
-          <a:spcPct val="90000"/>
-        </a:lnSpc>
+      <a:lvl9pPr marL="2914650" indent="-171450" algn="l" defTabSz="685800" rtl="0" eaLnBrk="1" latinLnBrk="0" hangingPunct="1">
         <a:spcBef>
-          <a:spcPts val="500"/>
+          <a:spcPct val="20000"/>
         </a:spcBef>
-        <a:buFont typeface="Arial" panose="020B0604020202020204" pitchFamily="34" charset="0"/>
+        <a:buFont typeface="Arial" pitchFamily="34" charset="0"/>
         <a:buChar char="•"/>
-        <a:defRPr sz="1800" kern="1200">
+        <a:defRPr sz="1500" kern="1200">
           <a:solidFill>
             <a:schemeClr val="tx1"/>
           </a:solidFill>
@@ -2855,10 +2998,10 @@
     </p:bodyStyle>
     <p:otherStyle>
       <a:defPPr>
-        <a:defRPr lang="en-US"/>
+        <a:defRPr lang="zh-TW"/>
       </a:defPPr>
-      <a:lvl1pPr marL="0" algn="l" defTabSz="914400" rtl="0" eaLnBrk="1" latinLnBrk="0" hangingPunct="1">
-        <a:defRPr sz="1800" kern="1200">
+      <a:lvl1pPr marL="0" algn="l" defTabSz="685800" rtl="0" eaLnBrk="1" latinLnBrk="0" hangingPunct="1">
+        <a:defRPr sz="1350" kern="1200">
           <a:solidFill>
             <a:schemeClr val="tx1"/>
           </a:solidFill>
@@ -2867,8 +3010,8 @@
           <a:cs typeface="+mn-cs"/>
         </a:defRPr>
       </a:lvl1pPr>
-      <a:lvl2pPr marL="457200" algn="l" defTabSz="914400" rtl="0" eaLnBrk="1" latinLnBrk="0" hangingPunct="1">
-        <a:defRPr sz="1800" kern="1200">
+      <a:lvl2pPr marL="342900" algn="l" defTabSz="685800" rtl="0" eaLnBrk="1" latinLnBrk="0" hangingPunct="1">
+        <a:defRPr sz="1350" kern="1200">
           <a:solidFill>
             <a:schemeClr val="tx1"/>
           </a:solidFill>
@@ -2877,8 +3020,8 @@
           <a:cs typeface="+mn-cs"/>
         </a:defRPr>
       </a:lvl2pPr>
-      <a:lvl3pPr marL="914400" algn="l" defTabSz="914400" rtl="0" eaLnBrk="1" latinLnBrk="0" hangingPunct="1">
-        <a:defRPr sz="1800" kern="1200">
+      <a:lvl3pPr marL="685800" algn="l" defTabSz="685800" rtl="0" eaLnBrk="1" latinLnBrk="0" hangingPunct="1">
+        <a:defRPr sz="1350" kern="1200">
           <a:solidFill>
             <a:schemeClr val="tx1"/>
           </a:solidFill>
@@ -2887,8 +3030,8 @@
           <a:cs typeface="+mn-cs"/>
         </a:defRPr>
       </a:lvl3pPr>
-      <a:lvl4pPr marL="1371600" algn="l" defTabSz="914400" rtl="0" eaLnBrk="1" latinLnBrk="0" hangingPunct="1">
-        <a:defRPr sz="1800" kern="1200">
+      <a:lvl4pPr marL="1028700" algn="l" defTabSz="685800" rtl="0" eaLnBrk="1" latinLnBrk="0" hangingPunct="1">
+        <a:defRPr sz="1350" kern="1200">
           <a:solidFill>
             <a:schemeClr val="tx1"/>
           </a:solidFill>
@@ -2897,8 +3040,8 @@
           <a:cs typeface="+mn-cs"/>
         </a:defRPr>
       </a:lvl4pPr>
-      <a:lvl5pPr marL="1828800" algn="l" defTabSz="914400" rtl="0" eaLnBrk="1" latinLnBrk="0" hangingPunct="1">
-        <a:defRPr sz="1800" kern="1200">
+      <a:lvl5pPr marL="1371600" algn="l" defTabSz="685800" rtl="0" eaLnBrk="1" latinLnBrk="0" hangingPunct="1">
+        <a:defRPr sz="1350" kern="1200">
           <a:solidFill>
             <a:schemeClr val="tx1"/>
           </a:solidFill>
@@ -2907,8 +3050,8 @@
           <a:cs typeface="+mn-cs"/>
         </a:defRPr>
       </a:lvl5pPr>
-      <a:lvl6pPr marL="2286000" algn="l" defTabSz="914400" rtl="0" eaLnBrk="1" latinLnBrk="0" hangingPunct="1">
-        <a:defRPr sz="1800" kern="1200">
+      <a:lvl6pPr marL="1714500" algn="l" defTabSz="685800" rtl="0" eaLnBrk="1" latinLnBrk="0" hangingPunct="1">
+        <a:defRPr sz="1350" kern="1200">
           <a:solidFill>
             <a:schemeClr val="tx1"/>
           </a:solidFill>
@@ -2917,8 +3060,8 @@
           <a:cs typeface="+mn-cs"/>
         </a:defRPr>
       </a:lvl6pPr>
-      <a:lvl7pPr marL="2743200" algn="l" defTabSz="914400" rtl="0" eaLnBrk="1" latinLnBrk="0" hangingPunct="1">
-        <a:defRPr sz="1800" kern="1200">
+      <a:lvl7pPr marL="2057400" algn="l" defTabSz="685800" rtl="0" eaLnBrk="1" latinLnBrk="0" hangingPunct="1">
+        <a:defRPr sz="1350" kern="1200">
           <a:solidFill>
             <a:schemeClr val="tx1"/>
           </a:solidFill>
@@ -2927,8 +3070,8 @@
           <a:cs typeface="+mn-cs"/>
         </a:defRPr>
       </a:lvl7pPr>
-      <a:lvl8pPr marL="3200400" algn="l" defTabSz="914400" rtl="0" eaLnBrk="1" latinLnBrk="0" hangingPunct="1">
-        <a:defRPr sz="1800" kern="1200">
+      <a:lvl8pPr marL="2400300" algn="l" defTabSz="685800" rtl="0" eaLnBrk="1" latinLnBrk="0" hangingPunct="1">
+        <a:defRPr sz="1350" kern="1200">
           <a:solidFill>
             <a:schemeClr val="tx1"/>
           </a:solidFill>
@@ -2937,8 +3080,8 @@
           <a:cs typeface="+mn-cs"/>
         </a:defRPr>
       </a:lvl8pPr>
-      <a:lvl9pPr marL="3657600" algn="l" defTabSz="914400" rtl="0" eaLnBrk="1" latinLnBrk="0" hangingPunct="1">
-        <a:defRPr sz="1800" kern="1200">
+      <a:lvl9pPr marL="2743200" algn="l" defTabSz="685800" rtl="0" eaLnBrk="1" latinLnBrk="0" hangingPunct="1">
+        <a:defRPr sz="1350" kern="1200">
           <a:solidFill>
             <a:schemeClr val="tx1"/>
           </a:solidFill>
@@ -2987,18 +3130,20 @@
         </p:nvSpPr>
         <p:spPr/>
         <p:txBody>
-          <a:bodyPr/>
+          <a:bodyPr>
+            <a:normAutofit/>
+          </a:bodyPr>
           <a:lstStyle/>
           <a:p>
             <a:pPr algn="ctr"/>
             <a:r>
-              <a:rPr lang="zh-CN" altLang="en-US" b="1" dirty="0">
+              <a:rPr lang="zh-CN" altLang="en-US" sz="4800" b="1" dirty="0">
                 <a:latin typeface="Microsoft JhengHei" panose="020B0604030504040204" pitchFamily="34" charset="-120"/>
                 <a:ea typeface="Microsoft JhengHei" panose="020B0604030504040204" pitchFamily="34" charset="-120"/>
               </a:rPr>
               <a:t>禱告</a:t>
             </a:r>
-            <a:endParaRPr lang="en-US" b="1" dirty="0">
+            <a:endParaRPr lang="en-US" sz="4800" b="1" dirty="0">
               <a:latin typeface="Microsoft JhengHei" panose="020B0604030504040204" pitchFamily="34" charset="-120"/>
               <a:ea typeface="Microsoft JhengHei" panose="020B0604030504040204" pitchFamily="34" charset="-120"/>
             </a:endParaRPr>
@@ -3023,8 +3168,8 @@
         </p:nvSpPr>
         <p:spPr>
           <a:xfrm>
-            <a:off x="0" y="1825625"/>
-            <a:ext cx="9144000" cy="4351338"/>
+            <a:off x="0" y="1825624"/>
+            <a:ext cx="12192000" cy="5032375"/>
           </a:xfrm>
         </p:spPr>
         <p:txBody>
@@ -3069,13 +3214,34 @@
               <a:buNone/>
             </a:pPr>
             <a:r>
+              <a:rPr lang="zh-CN" altLang="en-US" sz="5400" b="1" dirty="0">
+                <a:latin typeface="Microsoft JhengHei" panose="020B0604030504040204" pitchFamily="34" charset="-120"/>
+                <a:ea typeface="Microsoft JhengHei" panose="020B0604030504040204" pitchFamily="34" charset="-120"/>
+              </a:rPr>
+              <a:t>袮</a:t>
+            </a:r>
+            <a:r>
+              <a:rPr lang="zh-TW" altLang="en-US" sz="5400" b="1" dirty="0" smtClean="0">
+                <a:latin typeface="Microsoft JhengHei" panose="020B0604030504040204" pitchFamily="34" charset="-120"/>
+                <a:ea typeface="Microsoft JhengHei" panose="020B0604030504040204" pitchFamily="34" charset="-120"/>
+              </a:rPr>
+              <a:t>心</a:t>
+            </a:r>
+            <a:r>
               <a:rPr lang="zh-TW" altLang="en-US" sz="5400" b="1" dirty="0">
                 <a:latin typeface="Microsoft JhengHei" panose="020B0604030504040204" pitchFamily="34" charset="-120"/>
                 <a:ea typeface="Microsoft JhengHei" panose="020B0604030504040204" pitchFamily="34" charset="-120"/>
               </a:rPr>
-              <a:t>你心意對我重要</a:t>
-            </a:r>
-            <a:endParaRPr lang="en-US" sz="5400" b="1" dirty="0">
+              <a:t>意對我重</a:t>
+            </a:r>
+            <a:r>
+              <a:rPr lang="zh-TW" altLang="en-US" sz="5400" b="1" dirty="0" smtClean="0">
+                <a:latin typeface="Microsoft JhengHei" panose="020B0604030504040204" pitchFamily="34" charset="-120"/>
+                <a:ea typeface="Microsoft JhengHei" panose="020B0604030504040204" pitchFamily="34" charset="-120"/>
+              </a:rPr>
+              <a:t>要</a:t>
+            </a:r>
+            <a:endParaRPr lang="en-US" altLang="zh-TW" sz="5400" b="1" dirty="0" smtClean="0">
               <a:latin typeface="Microsoft JhengHei" panose="020B0604030504040204" pitchFamily="34" charset="-120"/>
               <a:ea typeface="Microsoft JhengHei" panose="020B0604030504040204" pitchFamily="34" charset="-120"/>
             </a:endParaRPr>
@@ -3130,18 +3296,20 @@
         </p:nvSpPr>
         <p:spPr/>
         <p:txBody>
-          <a:bodyPr/>
+          <a:bodyPr>
+            <a:normAutofit/>
+          </a:bodyPr>
           <a:lstStyle/>
           <a:p>
             <a:pPr algn="ctr"/>
             <a:r>
-              <a:rPr lang="zh-CN" altLang="en-US" b="1" dirty="0">
+              <a:rPr lang="zh-CN" altLang="en-US" sz="4800" b="1" dirty="0">
                 <a:latin typeface="Microsoft JhengHei" panose="020B0604030504040204" pitchFamily="34" charset="-120"/>
                 <a:ea typeface="Microsoft JhengHei" panose="020B0604030504040204" pitchFamily="34" charset="-120"/>
               </a:rPr>
               <a:t>禱告</a:t>
             </a:r>
-            <a:endParaRPr lang="en-US" b="1" dirty="0">
+            <a:endParaRPr lang="en-US" sz="4800" b="1" dirty="0">
               <a:latin typeface="Microsoft JhengHei" panose="020B0604030504040204" pitchFamily="34" charset="-120"/>
               <a:ea typeface="Microsoft JhengHei" panose="020B0604030504040204" pitchFamily="34" charset="-120"/>
             </a:endParaRPr>
@@ -3166,8 +3334,8 @@
         </p:nvSpPr>
         <p:spPr>
           <a:xfrm>
-            <a:off x="0" y="1825625"/>
-            <a:ext cx="9144000" cy="4351338"/>
+            <a:off x="0" y="1825624"/>
+            <a:ext cx="12192000" cy="5032375"/>
           </a:xfrm>
         </p:spPr>
         <p:txBody>
@@ -3180,17 +3348,22 @@
               <a:buNone/>
             </a:pPr>
             <a:r>
+              <a:rPr lang="zh-TW" altLang="en-US" sz="5400" b="1" dirty="0" smtClean="0">
+                <a:latin typeface="Microsoft JhengHei" panose="020B0604030504040204" pitchFamily="34" charset="-120"/>
+                <a:ea typeface="Microsoft JhengHei" panose="020B0604030504040204" pitchFamily="34" charset="-120"/>
+              </a:rPr>
+              <a:t>禱</a:t>
+            </a:r>
+            <a:r>
               <a:rPr lang="zh-TW" altLang="en-US" sz="5400" b="1" dirty="0">
                 <a:latin typeface="Microsoft JhengHei" panose="020B0604030504040204" pitchFamily="34" charset="-120"/>
                 <a:ea typeface="Microsoft JhengHei" panose="020B0604030504040204" pitchFamily="34" charset="-120"/>
-                <a:cs typeface="+mj-cs"/>
-              </a:rPr>
-              <a:t>禱告   已假裝不了</a:t>
+              </a:rPr>
+              <a:t>告   已假裝不了</a:t>
             </a:r>
             <a:endParaRPr lang="en-US" altLang="zh-TW" sz="5400" b="1" dirty="0">
               <a:latin typeface="Microsoft JhengHei" panose="020B0604030504040204" pitchFamily="34" charset="-120"/>
               <a:ea typeface="Microsoft JhengHei" panose="020B0604030504040204" pitchFamily="34" charset="-120"/>
-              <a:cs typeface="+mj-cs"/>
             </a:endParaRPr>
           </a:p>
           <a:p>
@@ -3201,14 +3374,40 @@
               <a:rPr lang="zh-TW" altLang="en-US" sz="5400" b="1" dirty="0">
                 <a:latin typeface="Microsoft JhengHei" panose="020B0604030504040204" pitchFamily="34" charset="-120"/>
                 <a:ea typeface="Microsoft JhengHei" panose="020B0604030504040204" pitchFamily="34" charset="-120"/>
-                <a:cs typeface="+mj-cs"/>
-              </a:rPr>
-              <a:t>禱告   因為你的愛我需要</a:t>
+              </a:rPr>
+              <a:t>禱告   因</a:t>
+            </a:r>
+            <a:r>
+              <a:rPr lang="zh-TW" altLang="en-US" sz="5400" b="1" dirty="0" smtClean="0">
+                <a:latin typeface="Microsoft JhengHei" panose="020B0604030504040204" pitchFamily="34" charset="-120"/>
+                <a:ea typeface="Microsoft JhengHei" panose="020B0604030504040204" pitchFamily="34" charset="-120"/>
+              </a:rPr>
+              <a:t>為</a:t>
+            </a:r>
+            <a:r>
+              <a:rPr lang="zh-CN" altLang="en-US" sz="5400" b="1" dirty="0">
+                <a:latin typeface="Microsoft JhengHei" panose="020B0604030504040204" pitchFamily="34" charset="-120"/>
+                <a:ea typeface="Microsoft JhengHei" panose="020B0604030504040204" pitchFamily="34" charset="-120"/>
+              </a:rPr>
+              <a:t>袮</a:t>
+            </a:r>
+            <a:r>
+              <a:rPr lang="zh-TW" altLang="en-US" sz="5400" b="1" dirty="0" smtClean="0">
+                <a:latin typeface="Microsoft JhengHei" panose="020B0604030504040204" pitchFamily="34" charset="-120"/>
+                <a:ea typeface="Microsoft JhengHei" panose="020B0604030504040204" pitchFamily="34" charset="-120"/>
+              </a:rPr>
+              <a:t>的</a:t>
+            </a:r>
+            <a:r>
+              <a:rPr lang="zh-TW" altLang="en-US" sz="5400" b="1" dirty="0">
+                <a:latin typeface="Microsoft JhengHei" panose="020B0604030504040204" pitchFamily="34" charset="-120"/>
+                <a:ea typeface="Microsoft JhengHei" panose="020B0604030504040204" pitchFamily="34" charset="-120"/>
+              </a:rPr>
+              <a:t>愛我需要</a:t>
             </a:r>
             <a:endParaRPr lang="en-US" altLang="zh-TW" sz="5400" b="1" dirty="0">
               <a:latin typeface="Microsoft JhengHei" panose="020B0604030504040204" pitchFamily="34" charset="-120"/>
               <a:ea typeface="Microsoft JhengHei" panose="020B0604030504040204" pitchFamily="34" charset="-120"/>
-              <a:cs typeface="+mj-cs"/>
             </a:endParaRPr>
           </a:p>
           <a:p>
@@ -3216,17 +3415,64 @@
               <a:buNone/>
             </a:pPr>
             <a:r>
+              <a:rPr lang="zh-CN" altLang="en-US" sz="5400" b="1" dirty="0">
+                <a:latin typeface="Microsoft JhengHei" panose="020B0604030504040204" pitchFamily="34" charset="-120"/>
+                <a:ea typeface="Microsoft JhengHei" panose="020B0604030504040204" pitchFamily="34" charset="-120"/>
+              </a:rPr>
+              <a:t>袮</a:t>
+            </a:r>
+            <a:r>
+              <a:rPr lang="zh-TW" altLang="en-US" sz="5400" b="1" dirty="0" smtClean="0">
+                <a:latin typeface="Microsoft JhengHei" panose="020B0604030504040204" pitchFamily="34" charset="-120"/>
+                <a:ea typeface="Microsoft JhengHei" panose="020B0604030504040204" pitchFamily="34" charset="-120"/>
+              </a:rPr>
+              <a:t>關</a:t>
+            </a:r>
+            <a:r>
               <a:rPr lang="zh-TW" altLang="en-US" sz="5400" b="1" dirty="0">
                 <a:latin typeface="Microsoft JhengHei" panose="020B0604030504040204" pitchFamily="34" charset="-120"/>
                 <a:ea typeface="Microsoft JhengHei" panose="020B0604030504040204" pitchFamily="34" charset="-120"/>
-                <a:cs typeface="+mj-cs"/>
-              </a:rPr>
-              <a:t>你關懷   我走過的你都明白</a:t>
+              </a:rPr>
+              <a:t>懷   我走過</a:t>
+            </a:r>
+            <a:r>
+              <a:rPr lang="zh-TW" altLang="en-US" sz="5400" b="1" dirty="0" smtClean="0">
+                <a:latin typeface="Microsoft JhengHei" panose="020B0604030504040204" pitchFamily="34" charset="-120"/>
+                <a:ea typeface="Microsoft JhengHei" panose="020B0604030504040204" pitchFamily="34" charset="-120"/>
+              </a:rPr>
+              <a:t>的</a:t>
+            </a:r>
+            <a:r>
+              <a:rPr lang="zh-CN" altLang="en-US" sz="5400" b="1" dirty="0">
+                <a:latin typeface="Microsoft JhengHei" panose="020B0604030504040204" pitchFamily="34" charset="-120"/>
+                <a:ea typeface="Microsoft JhengHei" panose="020B0604030504040204" pitchFamily="34" charset="-120"/>
+              </a:rPr>
+              <a:t>袮</a:t>
+            </a:r>
+            <a:r>
+              <a:rPr lang="zh-TW" altLang="en-US" sz="5400" b="1" dirty="0" smtClean="0">
+                <a:latin typeface="Microsoft JhengHei" panose="020B0604030504040204" pitchFamily="34" charset="-120"/>
+                <a:ea typeface="Microsoft JhengHei" panose="020B0604030504040204" pitchFamily="34" charset="-120"/>
+              </a:rPr>
+              <a:t>都</a:t>
+            </a:r>
+            <a:r>
+              <a:rPr lang="zh-TW" altLang="en-US" sz="5400" b="1" dirty="0">
+                <a:latin typeface="Microsoft JhengHei" panose="020B0604030504040204" pitchFamily="34" charset="-120"/>
+                <a:ea typeface="Microsoft JhengHei" panose="020B0604030504040204" pitchFamily="34" charset="-120"/>
+              </a:rPr>
+              <a:t>明</a:t>
+            </a:r>
+            <a:r>
+              <a:rPr lang="zh-TW" altLang="en-US" sz="5400" b="1" dirty="0" smtClean="0">
+                <a:latin typeface="Microsoft JhengHei" panose="020B0604030504040204" pitchFamily="34" charset="-120"/>
+                <a:ea typeface="Microsoft JhengHei" panose="020B0604030504040204" pitchFamily="34" charset="-120"/>
+              </a:rPr>
+              <a:t>白</a:t>
             </a:r>
             <a:endParaRPr lang="en-US" sz="5400" b="1" dirty="0">
               <a:latin typeface="Microsoft JhengHei" panose="020B0604030504040204" pitchFamily="34" charset="-120"/>
               <a:ea typeface="Microsoft JhengHei" panose="020B0604030504040204" pitchFamily="34" charset="-120"/>
-              <a:cs typeface="+mj-cs"/>
             </a:endParaRPr>
           </a:p>
         </p:txBody>
@@ -3234,7 +3480,7 @@
     </p:spTree>
     <p:extLst>
       <p:ext uri="{BB962C8B-B14F-4D97-AF65-F5344CB8AC3E}">
-        <p14:creationId xmlns:p14="http://schemas.microsoft.com/office/powerpoint/2010/main" val="2579366025"/>
+        <p14:creationId xmlns:p14="http://schemas.microsoft.com/office/powerpoint/2010/main" val="1090205559"/>
       </p:ext>
     </p:extLst>
   </p:cSld>
@@ -3279,18 +3525,20 @@
         </p:nvSpPr>
         <p:spPr/>
         <p:txBody>
-          <a:bodyPr/>
+          <a:bodyPr>
+            <a:normAutofit/>
+          </a:bodyPr>
           <a:lstStyle/>
           <a:p>
             <a:pPr algn="ctr"/>
             <a:r>
-              <a:rPr lang="zh-CN" altLang="en-US" b="1" dirty="0">
+              <a:rPr lang="zh-CN" altLang="en-US" sz="4800" b="1" dirty="0">
                 <a:latin typeface="Microsoft JhengHei" panose="020B0604030504040204" pitchFamily="34" charset="-120"/>
                 <a:ea typeface="Microsoft JhengHei" panose="020B0604030504040204" pitchFamily="34" charset="-120"/>
               </a:rPr>
               <a:t>禱告</a:t>
             </a:r>
-            <a:endParaRPr lang="en-US" b="1" dirty="0">
+            <a:endParaRPr lang="en-US" sz="4800" b="1" dirty="0">
               <a:latin typeface="Microsoft JhengHei" panose="020B0604030504040204" pitchFamily="34" charset="-120"/>
               <a:ea typeface="Microsoft JhengHei" panose="020B0604030504040204" pitchFamily="34" charset="-120"/>
             </a:endParaRPr>
@@ -3315,8 +3563,8 @@
         </p:nvSpPr>
         <p:spPr>
           <a:xfrm>
-            <a:off x="0" y="1825625"/>
-            <a:ext cx="9144000" cy="4351338"/>
+            <a:off x="0" y="1825624"/>
+            <a:ext cx="12192000" cy="5032375"/>
           </a:xfrm>
         </p:spPr>
         <p:txBody>
@@ -3332,14 +3580,33 @@
               <a:rPr lang="zh-TW" altLang="en-US" sz="5400" b="1" dirty="0">
                 <a:latin typeface="Microsoft JhengHei" panose="020B0604030504040204" pitchFamily="34" charset="-120"/>
                 <a:ea typeface="Microsoft JhengHei" panose="020B0604030504040204" pitchFamily="34" charset="-120"/>
-                <a:cs typeface="+mj-cs"/>
-              </a:rPr>
-              <a:t>有些事我只想要對你說</a:t>
+              </a:rPr>
+              <a:t>有些事我只想要</a:t>
+            </a:r>
+            <a:r>
+              <a:rPr lang="zh-TW" altLang="en-US" sz="5400" b="1" dirty="0" smtClean="0">
+                <a:latin typeface="Microsoft JhengHei" panose="020B0604030504040204" pitchFamily="34" charset="-120"/>
+                <a:ea typeface="Microsoft JhengHei" panose="020B0604030504040204" pitchFamily="34" charset="-120"/>
+              </a:rPr>
+              <a:t>對</a:t>
+            </a:r>
+            <a:r>
+              <a:rPr lang="zh-CN" altLang="en-US" sz="5400" b="1" dirty="0">
+                <a:latin typeface="Microsoft JhengHei" panose="020B0604030504040204" pitchFamily="34" charset="-120"/>
+                <a:ea typeface="Microsoft JhengHei" panose="020B0604030504040204" pitchFamily="34" charset="-120"/>
+              </a:rPr>
+              <a:t>袮</a:t>
+            </a:r>
+            <a:r>
+              <a:rPr lang="zh-TW" altLang="en-US" sz="5400" b="1" dirty="0" smtClean="0">
+                <a:latin typeface="Microsoft JhengHei" panose="020B0604030504040204" pitchFamily="34" charset="-120"/>
+                <a:ea typeface="Microsoft JhengHei" panose="020B0604030504040204" pitchFamily="34" charset="-120"/>
+              </a:rPr>
+              <a:t>說</a:t>
             </a:r>
             <a:endParaRPr lang="en-US" altLang="zh-TW" sz="5400" b="1" dirty="0">
               <a:latin typeface="Microsoft JhengHei" panose="020B0604030504040204" pitchFamily="34" charset="-120"/>
               <a:ea typeface="Microsoft JhengHei" panose="020B0604030504040204" pitchFamily="34" charset="-120"/>
-              <a:cs typeface="+mj-cs"/>
             </a:endParaRPr>
           </a:p>
           <a:p>
@@ -3347,17 +3614,36 @@
               <a:buNone/>
             </a:pPr>
             <a:r>
+              <a:rPr lang="zh-TW" altLang="en-US" sz="5400" b="1" dirty="0" smtClean="0">
+                <a:latin typeface="Microsoft JhengHei" panose="020B0604030504040204" pitchFamily="34" charset="-120"/>
+                <a:ea typeface="Microsoft JhengHei" panose="020B0604030504040204" pitchFamily="34" charset="-120"/>
+              </a:rPr>
+              <a:t>因</a:t>
+            </a:r>
+            <a:r>
+              <a:rPr lang="zh-CN" altLang="en-US" sz="5400" b="1" dirty="0">
+                <a:latin typeface="Microsoft JhengHei" panose="020B0604030504040204" pitchFamily="34" charset="-120"/>
+                <a:ea typeface="Microsoft JhengHei" panose="020B0604030504040204" pitchFamily="34" charset="-120"/>
+              </a:rPr>
+              <a:t>袮</a:t>
+            </a:r>
+            <a:r>
+              <a:rPr lang="zh-TW" altLang="en-US" sz="5400" b="1" dirty="0" smtClean="0">
+                <a:latin typeface="Microsoft JhengHei" panose="020B0604030504040204" pitchFamily="34" charset="-120"/>
+                <a:ea typeface="Microsoft JhengHei" panose="020B0604030504040204" pitchFamily="34" charset="-120"/>
+              </a:rPr>
+              <a:t>比</a:t>
+            </a:r>
+            <a:r>
               <a:rPr lang="zh-TW" altLang="en-US" sz="5400" b="1" dirty="0">
                 <a:latin typeface="Microsoft JhengHei" panose="020B0604030504040204" pitchFamily="34" charset="-120"/>
                 <a:ea typeface="Microsoft JhengHei" panose="020B0604030504040204" pitchFamily="34" charset="-120"/>
-                <a:cs typeface="+mj-cs"/>
-              </a:rPr>
-              <a:t>因你比任何人都愛我</a:t>
+              </a:rPr>
+              <a:t>任何人都愛我</a:t>
             </a:r>
             <a:endParaRPr lang="en-US" altLang="zh-TW" sz="5400" b="1" dirty="0">
               <a:latin typeface="Microsoft JhengHei" panose="020B0604030504040204" pitchFamily="34" charset="-120"/>
               <a:ea typeface="Microsoft JhengHei" panose="020B0604030504040204" pitchFamily="34" charset="-120"/>
-              <a:cs typeface="+mj-cs"/>
             </a:endParaRPr>
           </a:p>
           <a:p>
@@ -3368,14 +3654,12 @@
               <a:rPr lang="zh-TW" altLang="en-US" sz="5400" b="1" dirty="0">
                 <a:latin typeface="Microsoft JhengHei" panose="020B0604030504040204" pitchFamily="34" charset="-120"/>
                 <a:ea typeface="Microsoft JhengHei" panose="020B0604030504040204" pitchFamily="34" charset="-120"/>
-                <a:cs typeface="+mj-cs"/>
               </a:rPr>
               <a:t>痛苦從眼中流下</a:t>
             </a:r>
             <a:endParaRPr lang="en-US" altLang="zh-TW" sz="5400" b="1" dirty="0">
               <a:latin typeface="Microsoft JhengHei" panose="020B0604030504040204" pitchFamily="34" charset="-120"/>
               <a:ea typeface="Microsoft JhengHei" panose="020B0604030504040204" pitchFamily="34" charset="-120"/>
-              <a:cs typeface="+mj-cs"/>
             </a:endParaRPr>
           </a:p>
           <a:p>
@@ -3386,14 +3670,40 @@
               <a:rPr lang="zh-TW" altLang="en-US" sz="5400" b="1" dirty="0">
                 <a:latin typeface="Microsoft JhengHei" panose="020B0604030504040204" pitchFamily="34" charset="-120"/>
                 <a:ea typeface="Microsoft JhengHei" panose="020B0604030504040204" pitchFamily="34" charset="-120"/>
-                <a:cs typeface="+mj-cs"/>
-              </a:rPr>
-              <a:t>我知道你為我擦</a:t>
+              </a:rPr>
+              <a:t>我知</a:t>
+            </a:r>
+            <a:r>
+              <a:rPr lang="zh-TW" altLang="en-US" sz="5400" b="1" dirty="0" smtClean="0">
+                <a:latin typeface="Microsoft JhengHei" panose="020B0604030504040204" pitchFamily="34" charset="-120"/>
+                <a:ea typeface="Microsoft JhengHei" panose="020B0604030504040204" pitchFamily="34" charset="-120"/>
+              </a:rPr>
+              <a:t>道</a:t>
+            </a:r>
+            <a:r>
+              <a:rPr lang="zh-CN" altLang="en-US" sz="5400" b="1" dirty="0">
+                <a:latin typeface="Microsoft JhengHei" panose="020B0604030504040204" pitchFamily="34" charset="-120"/>
+                <a:ea typeface="Microsoft JhengHei" panose="020B0604030504040204" pitchFamily="34" charset="-120"/>
+              </a:rPr>
+              <a:t>袮</a:t>
+            </a:r>
+            <a:r>
+              <a:rPr lang="zh-TW" altLang="en-US" sz="5400" b="1" dirty="0" smtClean="0">
+                <a:latin typeface="Microsoft JhengHei" panose="020B0604030504040204" pitchFamily="34" charset="-120"/>
+                <a:ea typeface="Microsoft JhengHei" panose="020B0604030504040204" pitchFamily="34" charset="-120"/>
+              </a:rPr>
+              <a:t>為</a:t>
+            </a:r>
+            <a:r>
+              <a:rPr lang="zh-TW" altLang="en-US" sz="5400" b="1" dirty="0">
+                <a:latin typeface="Microsoft JhengHei" panose="020B0604030504040204" pitchFamily="34" charset="-120"/>
+                <a:ea typeface="Microsoft JhengHei" panose="020B0604030504040204" pitchFamily="34" charset="-120"/>
+              </a:rPr>
+              <a:t>我擦</a:t>
             </a:r>
             <a:endParaRPr lang="en-US" sz="5400" b="1" dirty="0">
               <a:latin typeface="Microsoft JhengHei" panose="020B0604030504040204" pitchFamily="34" charset="-120"/>
               <a:ea typeface="Microsoft JhengHei" panose="020B0604030504040204" pitchFamily="34" charset="-120"/>
-              <a:cs typeface="+mj-cs"/>
             </a:endParaRPr>
           </a:p>
         </p:txBody>
@@ -3401,7 +3711,7 @@
     </p:spTree>
     <p:extLst>
       <p:ext uri="{BB962C8B-B14F-4D97-AF65-F5344CB8AC3E}">
-        <p14:creationId xmlns:p14="http://schemas.microsoft.com/office/powerpoint/2010/main" val="3949262951"/>
+        <p14:creationId xmlns:p14="http://schemas.microsoft.com/office/powerpoint/2010/main" val="3828058850"/>
       </p:ext>
     </p:extLst>
   </p:cSld>
@@ -3446,18 +3756,20 @@
         </p:nvSpPr>
         <p:spPr/>
         <p:txBody>
-          <a:bodyPr/>
+          <a:bodyPr>
+            <a:normAutofit/>
+          </a:bodyPr>
           <a:lstStyle/>
           <a:p>
             <a:pPr algn="ctr"/>
             <a:r>
-              <a:rPr lang="zh-CN" altLang="en-US" b="1" dirty="0">
+              <a:rPr lang="zh-CN" altLang="en-US" sz="4800" b="1" dirty="0">
                 <a:latin typeface="Microsoft JhengHei" panose="020B0604030504040204" pitchFamily="34" charset="-120"/>
                 <a:ea typeface="Microsoft JhengHei" panose="020B0604030504040204" pitchFamily="34" charset="-120"/>
               </a:rPr>
               <a:t>禱告</a:t>
             </a:r>
-            <a:endParaRPr lang="en-US" b="1" dirty="0">
+            <a:endParaRPr lang="en-US" sz="4800" b="1" dirty="0">
               <a:latin typeface="Microsoft JhengHei" panose="020B0604030504040204" pitchFamily="34" charset="-120"/>
               <a:ea typeface="Microsoft JhengHei" panose="020B0604030504040204" pitchFamily="34" charset="-120"/>
             </a:endParaRPr>
@@ -3482,8 +3794,8 @@
         </p:nvSpPr>
         <p:spPr>
           <a:xfrm>
-            <a:off x="0" y="1825625"/>
-            <a:ext cx="9144000" cy="4351338"/>
+            <a:off x="0" y="1825624"/>
+            <a:ext cx="12192000" cy="5032375"/>
           </a:xfrm>
         </p:spPr>
         <p:txBody>
@@ -3499,14 +3811,33 @@
               <a:rPr lang="zh-TW" altLang="en-US" sz="5400" b="1" dirty="0">
                 <a:latin typeface="Microsoft JhengHei" panose="020B0604030504040204" pitchFamily="34" charset="-120"/>
                 <a:ea typeface="Microsoft JhengHei" panose="020B0604030504040204" pitchFamily="34" charset="-120"/>
-                <a:cs typeface="+mj-cs"/>
-              </a:rPr>
-              <a:t>在早晨我也要來對你說</a:t>
+              </a:rPr>
+              <a:t>在早晨我也要來</a:t>
+            </a:r>
+            <a:r>
+              <a:rPr lang="zh-TW" altLang="en-US" sz="5400" b="1" dirty="0" smtClean="0">
+                <a:latin typeface="Microsoft JhengHei" panose="020B0604030504040204" pitchFamily="34" charset="-120"/>
+                <a:ea typeface="Microsoft JhengHei" panose="020B0604030504040204" pitchFamily="34" charset="-120"/>
+              </a:rPr>
+              <a:t>對</a:t>
+            </a:r>
+            <a:r>
+              <a:rPr lang="zh-CN" altLang="en-US" sz="5400" b="1" dirty="0">
+                <a:latin typeface="Microsoft JhengHei" panose="020B0604030504040204" pitchFamily="34" charset="-120"/>
+                <a:ea typeface="Microsoft JhengHei" panose="020B0604030504040204" pitchFamily="34" charset="-120"/>
+              </a:rPr>
+              <a:t>袮</a:t>
+            </a:r>
+            <a:r>
+              <a:rPr lang="zh-TW" altLang="en-US" sz="5400" b="1" dirty="0" smtClean="0">
+                <a:latin typeface="Microsoft JhengHei" panose="020B0604030504040204" pitchFamily="34" charset="-120"/>
+                <a:ea typeface="Microsoft JhengHei" panose="020B0604030504040204" pitchFamily="34" charset="-120"/>
+              </a:rPr>
+              <a:t>說</a:t>
             </a:r>
             <a:endParaRPr lang="en-US" altLang="zh-TW" sz="5400" b="1" dirty="0">
               <a:latin typeface="Microsoft JhengHei" panose="020B0604030504040204" pitchFamily="34" charset="-120"/>
               <a:ea typeface="Microsoft JhengHei" panose="020B0604030504040204" pitchFamily="34" charset="-120"/>
-              <a:cs typeface="+mj-cs"/>
             </a:endParaRPr>
           </a:p>
           <a:p>
@@ -3517,14 +3848,33 @@
               <a:rPr lang="zh-TW" altLang="en-US" sz="5400" b="1" dirty="0">
                 <a:latin typeface="Microsoft JhengHei" panose="020B0604030504040204" pitchFamily="34" charset="-120"/>
                 <a:ea typeface="Microsoft JhengHei" panose="020B0604030504040204" pitchFamily="34" charset="-120"/>
-                <a:cs typeface="+mj-cs"/>
-              </a:rPr>
-              <a:t>主耶穌今天我為你活</a:t>
+              </a:rPr>
+              <a:t>主耶穌今天我</a:t>
+            </a:r>
+            <a:r>
+              <a:rPr lang="zh-TW" altLang="en-US" sz="5400" b="1" dirty="0" smtClean="0">
+                <a:latin typeface="Microsoft JhengHei" panose="020B0604030504040204" pitchFamily="34" charset="-120"/>
+                <a:ea typeface="Microsoft JhengHei" panose="020B0604030504040204" pitchFamily="34" charset="-120"/>
+              </a:rPr>
+              <a:t>為</a:t>
+            </a:r>
+            <a:r>
+              <a:rPr lang="zh-CN" altLang="en-US" sz="5400" b="1" dirty="0">
+                <a:latin typeface="Microsoft JhengHei" panose="020B0604030504040204" pitchFamily="34" charset="-120"/>
+                <a:ea typeface="Microsoft JhengHei" panose="020B0604030504040204" pitchFamily="34" charset="-120"/>
+              </a:rPr>
+              <a:t>袮</a:t>
+            </a:r>
+            <a:r>
+              <a:rPr lang="zh-TW" altLang="en-US" sz="5400" b="1" dirty="0" smtClean="0">
+                <a:latin typeface="Microsoft JhengHei" panose="020B0604030504040204" pitchFamily="34" charset="-120"/>
+                <a:ea typeface="Microsoft JhengHei" panose="020B0604030504040204" pitchFamily="34" charset="-120"/>
+              </a:rPr>
+              <a:t>活</a:t>
             </a:r>
             <a:endParaRPr lang="en-US" altLang="zh-TW" sz="5400" b="1" dirty="0">
               <a:latin typeface="Microsoft JhengHei" panose="020B0604030504040204" pitchFamily="34" charset="-120"/>
               <a:ea typeface="Microsoft JhengHei" panose="020B0604030504040204" pitchFamily="34" charset="-120"/>
-              <a:cs typeface="+mj-cs"/>
             </a:endParaRPr>
           </a:p>
           <a:p>
@@ -3535,14 +3885,40 @@
               <a:rPr lang="zh-TW" altLang="en-US" sz="5400" b="1" dirty="0">
                 <a:latin typeface="Microsoft JhengHei" panose="020B0604030504040204" pitchFamily="34" charset="-120"/>
                 <a:ea typeface="Microsoft JhengHei" panose="020B0604030504040204" pitchFamily="34" charset="-120"/>
-                <a:cs typeface="+mj-cs"/>
-              </a:rPr>
-              <a:t>所需要的力量你天天賜給我</a:t>
+              </a:rPr>
+              <a:t>所需要的力</a:t>
+            </a:r>
+            <a:r>
+              <a:rPr lang="zh-TW" altLang="en-US" sz="5400" b="1" dirty="0" smtClean="0">
+                <a:latin typeface="Microsoft JhengHei" panose="020B0604030504040204" pitchFamily="34" charset="-120"/>
+                <a:ea typeface="Microsoft JhengHei" panose="020B0604030504040204" pitchFamily="34" charset="-120"/>
+              </a:rPr>
+              <a:t>量</a:t>
+            </a:r>
+            <a:r>
+              <a:rPr lang="zh-CN" altLang="en-US" sz="5400" b="1" dirty="0">
+                <a:latin typeface="Microsoft JhengHei" panose="020B0604030504040204" pitchFamily="34" charset="-120"/>
+                <a:ea typeface="Microsoft JhengHei" panose="020B0604030504040204" pitchFamily="34" charset="-120"/>
+              </a:rPr>
+              <a:t>袮</a:t>
+            </a:r>
+            <a:r>
+              <a:rPr lang="zh-TW" altLang="en-US" sz="5400" b="1" dirty="0" smtClean="0">
+                <a:latin typeface="Microsoft JhengHei" panose="020B0604030504040204" pitchFamily="34" charset="-120"/>
+                <a:ea typeface="Microsoft JhengHei" panose="020B0604030504040204" pitchFamily="34" charset="-120"/>
+              </a:rPr>
+              <a:t>天</a:t>
+            </a:r>
+            <a:r>
+              <a:rPr lang="zh-TW" altLang="en-US" sz="5400" b="1" dirty="0">
+                <a:latin typeface="Microsoft JhengHei" panose="020B0604030504040204" pitchFamily="34" charset="-120"/>
+                <a:ea typeface="Microsoft JhengHei" panose="020B0604030504040204" pitchFamily="34" charset="-120"/>
+              </a:rPr>
+              <a:t>天賜給我</a:t>
             </a:r>
             <a:endParaRPr lang="en-US" altLang="zh-TW" sz="5400" b="1" dirty="0">
               <a:latin typeface="Microsoft JhengHei" panose="020B0604030504040204" pitchFamily="34" charset="-120"/>
               <a:ea typeface="Microsoft JhengHei" panose="020B0604030504040204" pitchFamily="34" charset="-120"/>
-              <a:cs typeface="+mj-cs"/>
             </a:endParaRPr>
           </a:p>
           <a:p>
@@ -3550,17 +3926,29 @@
               <a:buNone/>
             </a:pPr>
             <a:r>
+              <a:rPr lang="zh-CN" altLang="en-US" sz="5400" b="1" dirty="0">
+                <a:latin typeface="Microsoft JhengHei" panose="020B0604030504040204" pitchFamily="34" charset="-120"/>
+                <a:ea typeface="Microsoft JhengHei" panose="020B0604030504040204" pitchFamily="34" charset="-120"/>
+              </a:rPr>
+              <a:t>袮</a:t>
+            </a:r>
+            <a:r>
+              <a:rPr lang="zh-TW" altLang="en-US" sz="5400" b="1" dirty="0" smtClean="0">
+                <a:latin typeface="Microsoft JhengHei" panose="020B0604030504040204" pitchFamily="34" charset="-120"/>
+                <a:ea typeface="Microsoft JhengHei" panose="020B0604030504040204" pitchFamily="34" charset="-120"/>
+              </a:rPr>
+              <a:t>恩</a:t>
+            </a:r>
+            <a:r>
               <a:rPr lang="zh-TW" altLang="en-US" sz="5400" b="1" dirty="0">
                 <a:latin typeface="Microsoft JhengHei" panose="020B0604030504040204" pitchFamily="34" charset="-120"/>
                 <a:ea typeface="Microsoft JhengHei" panose="020B0604030504040204" pitchFamily="34" charset="-120"/>
-                <a:cs typeface="+mj-cs"/>
-              </a:rPr>
-              <a:t>你恩典夠我用</a:t>
+              </a:rPr>
+              <a:t>典夠我用</a:t>
             </a:r>
             <a:endParaRPr lang="en-US" sz="5400" b="1" dirty="0">
               <a:latin typeface="Microsoft JhengHei" panose="020B0604030504040204" pitchFamily="34" charset="-120"/>
               <a:ea typeface="Microsoft JhengHei" panose="020B0604030504040204" pitchFamily="34" charset="-120"/>
-              <a:cs typeface="+mj-cs"/>
             </a:endParaRPr>
           </a:p>
         </p:txBody>
@@ -3568,7 +3956,7 @@
     </p:spTree>
     <p:extLst>
       <p:ext uri="{BB962C8B-B14F-4D97-AF65-F5344CB8AC3E}">
-        <p14:creationId xmlns:p14="http://schemas.microsoft.com/office/powerpoint/2010/main" val="481180006"/>
+        <p14:creationId xmlns:p14="http://schemas.microsoft.com/office/powerpoint/2010/main" val="3386783124"/>
       </p:ext>
     </p:extLst>
   </p:cSld>
@@ -3579,9 +3967,9 @@
 </file>
 
 <file path=ppt/theme/theme1.xml><?xml version="1.0" encoding="utf-8"?>
-<a:theme xmlns:a="http://schemas.openxmlformats.org/drawingml/2006/main" name="Office Theme">
+<a:theme xmlns:a="http://schemas.openxmlformats.org/drawingml/2006/main" name="Theme1">
   <a:themeElements>
-    <a:clrScheme name="Office Theme">
+    <a:clrScheme name="Office">
       <a:dk1>
         <a:sysClr val="windowText" lastClr="000000"/>
       </a:dk1>
@@ -3589,44 +3977,44 @@
         <a:sysClr val="window" lastClr="FFFFFF"/>
       </a:lt1>
       <a:dk2>
-        <a:srgbClr val="44546A"/>
+        <a:srgbClr val="1F497D"/>
       </a:dk2>
       <a:lt2>
-        <a:srgbClr val="E7E6E6"/>
+        <a:srgbClr val="EEECE1"/>
       </a:lt2>
       <a:accent1>
-        <a:srgbClr val="4472C4"/>
+        <a:srgbClr val="4F81BD"/>
       </a:accent1>
       <a:accent2>
-        <a:srgbClr val="ED7D31"/>
+        <a:srgbClr val="C0504D"/>
       </a:accent2>
       <a:accent3>
-        <a:srgbClr val="A5A5A5"/>
+        <a:srgbClr val="9BBB59"/>
       </a:accent3>
       <a:accent4>
-        <a:srgbClr val="FFC000"/>
+        <a:srgbClr val="8064A2"/>
       </a:accent4>
       <a:accent5>
-        <a:srgbClr val="5B9BD5"/>
+        <a:srgbClr val="4BACC6"/>
       </a:accent5>
       <a:accent6>
-        <a:srgbClr val="70AD47"/>
+        <a:srgbClr val="F79646"/>
       </a:accent6>
       <a:hlink>
-        <a:srgbClr val="0563C1"/>
+        <a:srgbClr val="0000FF"/>
       </a:hlink>
       <a:folHlink>
-        <a:srgbClr val="954F72"/>
+        <a:srgbClr val="800080"/>
       </a:folHlink>
     </a:clrScheme>
-    <a:fontScheme name="Office Theme">
+    <a:fontScheme name="Office">
       <a:majorFont>
-        <a:latin typeface="Calibri Light" panose="020F0302020204030204"/>
+        <a:latin typeface="Calibri"/>
         <a:ea typeface=""/>
         <a:cs typeface=""/>
-        <a:font script="Jpan" typeface="游ゴシック Light"/>
+        <a:font script="Jpan" typeface="ＭＳ Ｐゴシック"/>
         <a:font script="Hang" typeface="맑은 고딕"/>
-        <a:font script="Hans" typeface="等线 Light"/>
+        <a:font script="Hans" typeface="宋体"/>
         <a:font script="Hant" typeface="新細明體"/>
         <a:font script="Arab" typeface="Times New Roman"/>
         <a:font script="Hebr" typeface="Times New Roman"/>
@@ -3653,15 +4041,14 @@
         <a:font script="Mong" typeface="Mongolian Baiti"/>
         <a:font script="Viet" typeface="Times New Roman"/>
         <a:font script="Uigh" typeface="Microsoft Uighur"/>
-        <a:font script="Geor" typeface="Sylfaen"/>
       </a:majorFont>
       <a:minorFont>
-        <a:latin typeface="Calibri" panose="020F0502020204030204"/>
+        <a:latin typeface="Calibri"/>
         <a:ea typeface=""/>
         <a:cs typeface=""/>
-        <a:font script="Jpan" typeface="游ゴシック"/>
+        <a:font script="Jpan" typeface="ＭＳ Ｐゴシック"/>
         <a:font script="Hang" typeface="맑은 고딕"/>
-        <a:font script="Hans" typeface="等线"/>
+        <a:font script="Hans" typeface="宋体"/>
         <a:font script="Hant" typeface="新細明體"/>
         <a:font script="Arab" typeface="Arial"/>
         <a:font script="Hebr" typeface="Arial"/>
@@ -3688,10 +4075,9 @@
         <a:font script="Mong" typeface="Mongolian Baiti"/>
         <a:font script="Viet" typeface="Arial"/>
         <a:font script="Uigh" typeface="Microsoft Uighur"/>
-        <a:font script="Geor" typeface="Sylfaen"/>
       </a:minorFont>
     </a:fontScheme>
-    <a:fmtScheme name="Office Theme">
+    <a:fmtScheme name="Office">
       <a:fillStyleLst>
         <a:solidFill>
           <a:schemeClr val="phClr"/>
@@ -3700,131 +4086,160 @@
           <a:gsLst>
             <a:gs pos="0">
               <a:schemeClr val="phClr">
-                <a:lumMod val="110000"/>
-                <a:satMod val="105000"/>
-                <a:tint val="67000"/>
+                <a:tint val="50000"/>
+                <a:satMod val="300000"/>
               </a:schemeClr>
             </a:gs>
-            <a:gs pos="50000">
+            <a:gs pos="35000">
               <a:schemeClr val="phClr">
-                <a:lumMod val="105000"/>
-                <a:satMod val="103000"/>
-                <a:tint val="73000"/>
+                <a:tint val="37000"/>
+                <a:satMod val="300000"/>
               </a:schemeClr>
             </a:gs>
             <a:gs pos="100000">
               <a:schemeClr val="phClr">
-                <a:lumMod val="105000"/>
-                <a:satMod val="109000"/>
-                <a:tint val="81000"/>
+                <a:tint val="15000"/>
+                <a:satMod val="350000"/>
               </a:schemeClr>
             </a:gs>
           </a:gsLst>
-          <a:lin ang="5400000" scaled="0"/>
+          <a:lin ang="16200000" scaled="1"/>
         </a:gradFill>
         <a:gradFill rotWithShape="1">
           <a:gsLst>
             <a:gs pos="0">
               <a:schemeClr val="phClr">
-                <a:satMod val="103000"/>
-                <a:lumMod val="102000"/>
-                <a:tint val="94000"/>
+                <a:shade val="51000"/>
+                <a:satMod val="130000"/>
               </a:schemeClr>
             </a:gs>
-            <a:gs pos="50000">
+            <a:gs pos="80000">
               <a:schemeClr val="phClr">
-                <a:satMod val="110000"/>
-                <a:lumMod val="100000"/>
-                <a:shade val="100000"/>
+                <a:shade val="93000"/>
+                <a:satMod val="130000"/>
               </a:schemeClr>
             </a:gs>
             <a:gs pos="100000">
               <a:schemeClr val="phClr">
-                <a:lumMod val="99000"/>
-                <a:satMod val="120000"/>
-                <a:shade val="78000"/>
+                <a:shade val="94000"/>
+                <a:satMod val="135000"/>
               </a:schemeClr>
             </a:gs>
           </a:gsLst>
-          <a:lin ang="5400000" scaled="0"/>
+          <a:lin ang="16200000" scaled="0"/>
         </a:gradFill>
       </a:fillStyleLst>
       <a:lnStyleLst>
-        <a:ln w="6350" cap="flat" cmpd="sng" algn="ctr">
+        <a:ln w="9525" cap="flat" cmpd="sng" algn="ctr">
+          <a:solidFill>
+            <a:schemeClr val="phClr">
+              <a:shade val="95000"/>
+              <a:satMod val="105000"/>
+            </a:schemeClr>
+          </a:solidFill>
+          <a:prstDash val="solid"/>
+        </a:ln>
+        <a:ln w="25400" cap="flat" cmpd="sng" algn="ctr">
           <a:solidFill>
             <a:schemeClr val="phClr"/>
           </a:solidFill>
           <a:prstDash val="solid"/>
-          <a:miter lim="800000"/>
         </a:ln>
-        <a:ln w="12700" cap="flat" cmpd="sng" algn="ctr">
+        <a:ln w="38100" cap="flat" cmpd="sng" algn="ctr">
           <a:solidFill>
             <a:schemeClr val="phClr"/>
           </a:solidFill>
           <a:prstDash val="solid"/>
-          <a:miter lim="800000"/>
-        </a:ln>
-        <a:ln w="19050" cap="flat" cmpd="sng" algn="ctr">
-          <a:solidFill>
-            <a:schemeClr val="phClr"/>
-          </a:solidFill>
-          <a:prstDash val="solid"/>
-          <a:miter lim="800000"/>
         </a:ln>
       </a:lnStyleLst>
       <a:effectStyleLst>
         <a:effectStyle>
-          <a:effectLst/>
-        </a:effectStyle>
-        <a:effectStyle>
-          <a:effectLst/>
+          <a:effectLst>
+            <a:outerShdw blurRad="40000" dist="20000" dir="5400000" rotWithShape="0">
+              <a:srgbClr val="000000">
+                <a:alpha val="38000"/>
+              </a:srgbClr>
+            </a:outerShdw>
+          </a:effectLst>
         </a:effectStyle>
         <a:effectStyle>
           <a:effectLst>
-            <a:outerShdw blurRad="57150" dist="19050" dir="5400000" algn="ctr" rotWithShape="0">
+            <a:outerShdw blurRad="40000" dist="23000" dir="5400000" rotWithShape="0">
               <a:srgbClr val="000000">
-                <a:alpha val="63000"/>
+                <a:alpha val="35000"/>
               </a:srgbClr>
             </a:outerShdw>
           </a:effectLst>
+        </a:effectStyle>
+        <a:effectStyle>
+          <a:effectLst>
+            <a:outerShdw blurRad="40000" dist="23000" dir="5400000" rotWithShape="0">
+              <a:srgbClr val="000000">
+                <a:alpha val="35000"/>
+              </a:srgbClr>
+            </a:outerShdw>
+          </a:effectLst>
+          <a:scene3d>
+            <a:camera prst="orthographicFront">
+              <a:rot lat="0" lon="0" rev="0"/>
+            </a:camera>
+            <a:lightRig rig="threePt" dir="t">
+              <a:rot lat="0" lon="0" rev="1200000"/>
+            </a:lightRig>
+          </a:scene3d>
+          <a:sp3d>
+            <a:bevelT w="63500" h="25400"/>
+          </a:sp3d>
         </a:effectStyle>
       </a:effectStyleLst>
       <a:bgFillStyleLst>
         <a:solidFill>
           <a:schemeClr val="phClr"/>
         </a:solidFill>
-        <a:solidFill>
-          <a:schemeClr val="phClr">
-            <a:tint val="95000"/>
-            <a:satMod val="170000"/>
-          </a:schemeClr>
-        </a:solidFill>
         <a:gradFill rotWithShape="1">
           <a:gsLst>
             <a:gs pos="0">
               <a:schemeClr val="phClr">
-                <a:tint val="93000"/>
-                <a:satMod val="150000"/>
-                <a:shade val="98000"/>
-                <a:lumMod val="102000"/>
+                <a:tint val="40000"/>
+                <a:satMod val="350000"/>
               </a:schemeClr>
             </a:gs>
-            <a:gs pos="50000">
+            <a:gs pos="40000">
               <a:schemeClr val="phClr">
-                <a:tint val="98000"/>
-                <a:satMod val="130000"/>
-                <a:shade val="90000"/>
-                <a:lumMod val="103000"/>
+                <a:tint val="45000"/>
+                <a:shade val="99000"/>
+                <a:satMod val="350000"/>
               </a:schemeClr>
             </a:gs>
             <a:gs pos="100000">
               <a:schemeClr val="phClr">
-                <a:shade val="63000"/>
-                <a:satMod val="120000"/>
+                <a:shade val="20000"/>
+                <a:satMod val="255000"/>
               </a:schemeClr>
             </a:gs>
           </a:gsLst>
-          <a:lin ang="5400000" scaled="0"/>
+          <a:path path="circle">
+            <a:fillToRect l="50000" t="-80000" r="50000" b="180000"/>
+          </a:path>
+        </a:gradFill>
+        <a:gradFill rotWithShape="1">
+          <a:gsLst>
+            <a:gs pos="0">
+              <a:schemeClr val="phClr">
+                <a:tint val="80000"/>
+                <a:satMod val="300000"/>
+              </a:schemeClr>
+            </a:gs>
+            <a:gs pos="100000">
+              <a:schemeClr val="phClr">
+                <a:shade val="30000"/>
+                <a:satMod val="200000"/>
+              </a:schemeClr>
+            </a:gs>
+          </a:gsLst>
+          <a:path path="circle">
+            <a:fillToRect l="50000" t="50000" r="50000" b="50000"/>
+          </a:path>
         </a:gradFill>
       </a:bgFillStyleLst>
     </a:fmtScheme>
@@ -3833,7 +4248,7 @@
   <a:extraClrSchemeLst/>
   <a:extLst>
     <a:ext uri="{05A4C25C-085E-4340-85A3-A5531E510DB2}">
-      <thm15:themeFamily xmlns:thm15="http://schemas.microsoft.com/office/thememl/2012/main" name="Office Theme" id="{62F939B6-93AF-4DB8-9C6B-D6C7DFDC589F}" vid="{4A3C46E8-61CC-4603-A589-7422A47A8E4A}"/>
+      <thm15:themeFamily xmlns:thm15="http://schemas.microsoft.com/office/thememl/2012/main" name="Theme1" id="{F8125CB7-D18B-46DC-9DCC-3C669FADD5A1}" vid="{0725724D-EDF4-4EF9-A9A7-DF024E339DCD}"/>
     </a:ext>
   </a:extLst>
 </a:theme>
